--- a/input/images-source/Images.pptx
+++ b/input/images-source/Images.pptx
@@ -104,3207 +104,12 @@
       </a:defRPr>
     </a:lvl9pPr>
   </p:defaultTextStyle>
+  <p:extLst>
+    <p:ext uri="{EFAFB233-063F-42B5-8137-9DF3F51BA10A}">
+      <p15:sldGuideLst xmlns:p15="http://schemas.microsoft.com/office/powerpoint/2012/main"/>
+    </p:ext>
+  </p:extLst>
 </p:presentation>
-</file>
-
-<file path=ppt/diagrams/colors1.xml><?xml version="1.0" encoding="utf-8"?>
-<dgm:colorsDef xmlns:dgm="http://schemas.openxmlformats.org/drawingml/2006/diagram" xmlns:a="http://schemas.openxmlformats.org/drawingml/2006/main" uniqueId="urn:microsoft.com/office/officeart/2005/8/colors/accent1_2">
-  <dgm:title val=""/>
-  <dgm:desc val=""/>
-  <dgm:catLst>
-    <dgm:cat type="accent1" pri="11200"/>
-  </dgm:catLst>
-  <dgm:styleLbl name="node0">
-    <dgm:fillClrLst meth="repeat">
-      <a:schemeClr val="accent1"/>
-    </dgm:fillClrLst>
-    <dgm:linClrLst meth="repeat">
-      <a:schemeClr val="lt1"/>
-    </dgm:linClrLst>
-    <dgm:effectClrLst/>
-    <dgm:txLinClrLst/>
-    <dgm:txFillClrLst/>
-    <dgm:txEffectClrLst/>
-  </dgm:styleLbl>
-  <dgm:styleLbl name="alignNode1">
-    <dgm:fillClrLst meth="repeat">
-      <a:schemeClr val="accent1"/>
-    </dgm:fillClrLst>
-    <dgm:linClrLst meth="repeat">
-      <a:schemeClr val="accent1"/>
-    </dgm:linClrLst>
-    <dgm:effectClrLst/>
-    <dgm:txLinClrLst/>
-    <dgm:txFillClrLst/>
-    <dgm:txEffectClrLst/>
-  </dgm:styleLbl>
-  <dgm:styleLbl name="node1">
-    <dgm:fillClrLst meth="repeat">
-      <a:schemeClr val="accent1"/>
-    </dgm:fillClrLst>
-    <dgm:linClrLst meth="repeat">
-      <a:schemeClr val="lt1"/>
-    </dgm:linClrLst>
-    <dgm:effectClrLst/>
-    <dgm:txLinClrLst/>
-    <dgm:txFillClrLst/>
-    <dgm:txEffectClrLst/>
-  </dgm:styleLbl>
-  <dgm:styleLbl name="lnNode1">
-    <dgm:fillClrLst meth="repeat">
-      <a:schemeClr val="accent1"/>
-    </dgm:fillClrLst>
-    <dgm:linClrLst meth="repeat">
-      <a:schemeClr val="lt1"/>
-    </dgm:linClrLst>
-    <dgm:effectClrLst/>
-    <dgm:txLinClrLst/>
-    <dgm:txFillClrLst/>
-    <dgm:txEffectClrLst/>
-  </dgm:styleLbl>
-  <dgm:styleLbl name="vennNode1">
-    <dgm:fillClrLst meth="repeat">
-      <a:schemeClr val="accent1">
-        <a:alpha val="50000"/>
-      </a:schemeClr>
-    </dgm:fillClrLst>
-    <dgm:linClrLst meth="repeat">
-      <a:schemeClr val="lt1"/>
-    </dgm:linClrLst>
-    <dgm:effectClrLst/>
-    <dgm:txLinClrLst/>
-    <dgm:txFillClrLst/>
-    <dgm:txEffectClrLst/>
-  </dgm:styleLbl>
-  <dgm:styleLbl name="node2">
-    <dgm:fillClrLst meth="repeat">
-      <a:schemeClr val="accent1"/>
-    </dgm:fillClrLst>
-    <dgm:linClrLst meth="repeat">
-      <a:schemeClr val="lt1"/>
-    </dgm:linClrLst>
-    <dgm:effectClrLst/>
-    <dgm:txLinClrLst/>
-    <dgm:txFillClrLst/>
-    <dgm:txEffectClrLst/>
-  </dgm:styleLbl>
-  <dgm:styleLbl name="node3">
-    <dgm:fillClrLst meth="repeat">
-      <a:schemeClr val="accent1"/>
-    </dgm:fillClrLst>
-    <dgm:linClrLst meth="repeat">
-      <a:schemeClr val="lt1"/>
-    </dgm:linClrLst>
-    <dgm:effectClrLst/>
-    <dgm:txLinClrLst/>
-    <dgm:txFillClrLst/>
-    <dgm:txEffectClrLst/>
-  </dgm:styleLbl>
-  <dgm:styleLbl name="node4">
-    <dgm:fillClrLst meth="repeat">
-      <a:schemeClr val="accent1"/>
-    </dgm:fillClrLst>
-    <dgm:linClrLst meth="repeat">
-      <a:schemeClr val="lt1"/>
-    </dgm:linClrLst>
-    <dgm:effectClrLst/>
-    <dgm:txLinClrLst/>
-    <dgm:txFillClrLst/>
-    <dgm:txEffectClrLst/>
-  </dgm:styleLbl>
-  <dgm:styleLbl name="fgImgPlace1">
-    <dgm:fillClrLst meth="repeat">
-      <a:schemeClr val="accent1">
-        <a:tint val="50000"/>
-      </a:schemeClr>
-    </dgm:fillClrLst>
-    <dgm:linClrLst meth="repeat">
-      <a:schemeClr val="lt1"/>
-    </dgm:linClrLst>
-    <dgm:effectClrLst/>
-    <dgm:txLinClrLst/>
-    <dgm:txFillClrLst meth="repeat">
-      <a:schemeClr val="lt1"/>
-    </dgm:txFillClrLst>
-    <dgm:txEffectClrLst/>
-  </dgm:styleLbl>
-  <dgm:styleLbl name="alignImgPlace1">
-    <dgm:fillClrLst meth="repeat">
-      <a:schemeClr val="accent1">
-        <a:tint val="50000"/>
-      </a:schemeClr>
-    </dgm:fillClrLst>
-    <dgm:linClrLst meth="repeat">
-      <a:schemeClr val="lt1"/>
-    </dgm:linClrLst>
-    <dgm:effectClrLst/>
-    <dgm:txLinClrLst/>
-    <dgm:txFillClrLst meth="repeat">
-      <a:schemeClr val="lt1"/>
-    </dgm:txFillClrLst>
-    <dgm:txEffectClrLst/>
-  </dgm:styleLbl>
-  <dgm:styleLbl name="bgImgPlace1">
-    <dgm:fillClrLst meth="repeat">
-      <a:schemeClr val="accent1">
-        <a:tint val="50000"/>
-      </a:schemeClr>
-    </dgm:fillClrLst>
-    <dgm:linClrLst meth="repeat">
-      <a:schemeClr val="lt1"/>
-    </dgm:linClrLst>
-    <dgm:effectClrLst/>
-    <dgm:txLinClrLst/>
-    <dgm:txFillClrLst meth="repeat">
-      <a:schemeClr val="lt1"/>
-    </dgm:txFillClrLst>
-    <dgm:txEffectClrLst/>
-  </dgm:styleLbl>
-  <dgm:styleLbl name="sibTrans2D1">
-    <dgm:fillClrLst meth="repeat">
-      <a:schemeClr val="accent1">
-        <a:tint val="60000"/>
-      </a:schemeClr>
-    </dgm:fillClrLst>
-    <dgm:linClrLst meth="repeat">
-      <a:schemeClr val="accent1">
-        <a:tint val="60000"/>
-      </a:schemeClr>
-    </dgm:linClrLst>
-    <dgm:effectClrLst/>
-    <dgm:txLinClrLst/>
-    <dgm:txFillClrLst/>
-    <dgm:txEffectClrLst/>
-  </dgm:styleLbl>
-  <dgm:styleLbl name="fgSibTrans2D1">
-    <dgm:fillClrLst meth="repeat">
-      <a:schemeClr val="accent1">
-        <a:tint val="60000"/>
-      </a:schemeClr>
-    </dgm:fillClrLst>
-    <dgm:linClrLst meth="repeat">
-      <a:schemeClr val="accent1">
-        <a:tint val="60000"/>
-      </a:schemeClr>
-    </dgm:linClrLst>
-    <dgm:effectClrLst/>
-    <dgm:txLinClrLst/>
-    <dgm:txFillClrLst/>
-    <dgm:txEffectClrLst/>
-  </dgm:styleLbl>
-  <dgm:styleLbl name="bgSibTrans2D1">
-    <dgm:fillClrLst meth="repeat">
-      <a:schemeClr val="accent1">
-        <a:tint val="60000"/>
-      </a:schemeClr>
-    </dgm:fillClrLst>
-    <dgm:linClrLst meth="repeat">
-      <a:schemeClr val="accent1">
-        <a:tint val="60000"/>
-      </a:schemeClr>
-    </dgm:linClrLst>
-    <dgm:effectClrLst/>
-    <dgm:txLinClrLst/>
-    <dgm:txFillClrLst/>
-    <dgm:txEffectClrLst/>
-  </dgm:styleLbl>
-  <dgm:styleLbl name="sibTrans1D1">
-    <dgm:fillClrLst meth="repeat">
-      <a:schemeClr val="accent1"/>
-    </dgm:fillClrLst>
-    <dgm:linClrLst meth="repeat">
-      <a:schemeClr val="accent1"/>
-    </dgm:linClrLst>
-    <dgm:effectClrLst/>
-    <dgm:txLinClrLst/>
-    <dgm:txFillClrLst meth="repeat">
-      <a:schemeClr val="tx1"/>
-    </dgm:txFillClrLst>
-    <dgm:txEffectClrLst/>
-  </dgm:styleLbl>
-  <dgm:styleLbl name="callout">
-    <dgm:fillClrLst meth="repeat">
-      <a:schemeClr val="accent1"/>
-    </dgm:fillClrLst>
-    <dgm:linClrLst meth="repeat">
-      <a:schemeClr val="accent1">
-        <a:tint val="50000"/>
-      </a:schemeClr>
-    </dgm:linClrLst>
-    <dgm:effectClrLst/>
-    <dgm:txLinClrLst/>
-    <dgm:txFillClrLst meth="repeat">
-      <a:schemeClr val="tx1"/>
-    </dgm:txFillClrLst>
-    <dgm:txEffectClrLst/>
-  </dgm:styleLbl>
-  <dgm:styleLbl name="asst0">
-    <dgm:fillClrLst meth="repeat">
-      <a:schemeClr val="accent1"/>
-    </dgm:fillClrLst>
-    <dgm:linClrLst meth="repeat">
-      <a:schemeClr val="lt1"/>
-    </dgm:linClrLst>
-    <dgm:effectClrLst/>
-    <dgm:txLinClrLst/>
-    <dgm:txFillClrLst/>
-    <dgm:txEffectClrLst/>
-  </dgm:styleLbl>
-  <dgm:styleLbl name="asst1">
-    <dgm:fillClrLst meth="repeat">
-      <a:schemeClr val="accent1"/>
-    </dgm:fillClrLst>
-    <dgm:linClrLst meth="repeat">
-      <a:schemeClr val="lt1"/>
-    </dgm:linClrLst>
-    <dgm:effectClrLst/>
-    <dgm:txLinClrLst/>
-    <dgm:txFillClrLst/>
-    <dgm:txEffectClrLst/>
-  </dgm:styleLbl>
-  <dgm:styleLbl name="asst2">
-    <dgm:fillClrLst meth="repeat">
-      <a:schemeClr val="accent1"/>
-    </dgm:fillClrLst>
-    <dgm:linClrLst meth="repeat">
-      <a:schemeClr val="lt1"/>
-    </dgm:linClrLst>
-    <dgm:effectClrLst/>
-    <dgm:txLinClrLst/>
-    <dgm:txFillClrLst/>
-    <dgm:txEffectClrLst/>
-  </dgm:styleLbl>
-  <dgm:styleLbl name="asst3">
-    <dgm:fillClrLst meth="repeat">
-      <a:schemeClr val="accent1"/>
-    </dgm:fillClrLst>
-    <dgm:linClrLst meth="repeat">
-      <a:schemeClr val="lt1"/>
-    </dgm:linClrLst>
-    <dgm:effectClrLst/>
-    <dgm:txLinClrLst/>
-    <dgm:txFillClrLst/>
-    <dgm:txEffectClrLst/>
-  </dgm:styleLbl>
-  <dgm:styleLbl name="asst4">
-    <dgm:fillClrLst meth="repeat">
-      <a:schemeClr val="accent1"/>
-    </dgm:fillClrLst>
-    <dgm:linClrLst meth="repeat">
-      <a:schemeClr val="lt1"/>
-    </dgm:linClrLst>
-    <dgm:effectClrLst/>
-    <dgm:txLinClrLst/>
-    <dgm:txFillClrLst/>
-    <dgm:txEffectClrLst/>
-  </dgm:styleLbl>
-  <dgm:styleLbl name="parChTrans2D1">
-    <dgm:fillClrLst meth="repeat">
-      <a:schemeClr val="accent1">
-        <a:tint val="60000"/>
-      </a:schemeClr>
-    </dgm:fillClrLst>
-    <dgm:linClrLst meth="repeat">
-      <a:schemeClr val="accent1">
-        <a:tint val="60000"/>
-      </a:schemeClr>
-    </dgm:linClrLst>
-    <dgm:effectClrLst/>
-    <dgm:txLinClrLst/>
-    <dgm:txFillClrLst meth="repeat">
-      <a:schemeClr val="lt1"/>
-    </dgm:txFillClrLst>
-    <dgm:txEffectClrLst/>
-  </dgm:styleLbl>
-  <dgm:styleLbl name="parChTrans2D2">
-    <dgm:fillClrLst meth="repeat">
-      <a:schemeClr val="accent1"/>
-    </dgm:fillClrLst>
-    <dgm:linClrLst meth="repeat">
-      <a:schemeClr val="accent1"/>
-    </dgm:linClrLst>
-    <dgm:effectClrLst/>
-    <dgm:txLinClrLst/>
-    <dgm:txFillClrLst meth="repeat">
-      <a:schemeClr val="lt1"/>
-    </dgm:txFillClrLst>
-    <dgm:txEffectClrLst/>
-  </dgm:styleLbl>
-  <dgm:styleLbl name="parChTrans2D3">
-    <dgm:fillClrLst meth="repeat">
-      <a:schemeClr val="accent1"/>
-    </dgm:fillClrLst>
-    <dgm:linClrLst meth="repeat">
-      <a:schemeClr val="accent1"/>
-    </dgm:linClrLst>
-    <dgm:effectClrLst/>
-    <dgm:txLinClrLst/>
-    <dgm:txFillClrLst meth="repeat">
-      <a:schemeClr val="lt1"/>
-    </dgm:txFillClrLst>
-    <dgm:txEffectClrLst/>
-  </dgm:styleLbl>
-  <dgm:styleLbl name="parChTrans2D4">
-    <dgm:fillClrLst meth="repeat">
-      <a:schemeClr val="accent1"/>
-    </dgm:fillClrLst>
-    <dgm:linClrLst meth="repeat">
-      <a:schemeClr val="accent1"/>
-    </dgm:linClrLst>
-    <dgm:effectClrLst/>
-    <dgm:txLinClrLst/>
-    <dgm:txFillClrLst meth="repeat">
-      <a:schemeClr val="lt1"/>
-    </dgm:txFillClrLst>
-    <dgm:txEffectClrLst/>
-  </dgm:styleLbl>
-  <dgm:styleLbl name="parChTrans1D1">
-    <dgm:fillClrLst meth="repeat">
-      <a:schemeClr val="accent1"/>
-    </dgm:fillClrLst>
-    <dgm:linClrLst meth="repeat">
-      <a:schemeClr val="accent1">
-        <a:shade val="60000"/>
-      </a:schemeClr>
-    </dgm:linClrLst>
-    <dgm:effectClrLst/>
-    <dgm:txLinClrLst/>
-    <dgm:txFillClrLst meth="repeat">
-      <a:schemeClr val="tx1"/>
-    </dgm:txFillClrLst>
-    <dgm:txEffectClrLst/>
-  </dgm:styleLbl>
-  <dgm:styleLbl name="parChTrans1D2">
-    <dgm:fillClrLst meth="repeat">
-      <a:schemeClr val="accent1"/>
-    </dgm:fillClrLst>
-    <dgm:linClrLst meth="repeat">
-      <a:schemeClr val="accent1">
-        <a:shade val="60000"/>
-      </a:schemeClr>
-    </dgm:linClrLst>
-    <dgm:effectClrLst/>
-    <dgm:txLinClrLst/>
-    <dgm:txFillClrLst meth="repeat">
-      <a:schemeClr val="tx1"/>
-    </dgm:txFillClrLst>
-    <dgm:txEffectClrLst/>
-  </dgm:styleLbl>
-  <dgm:styleLbl name="parChTrans1D3">
-    <dgm:fillClrLst meth="repeat">
-      <a:schemeClr val="accent1"/>
-    </dgm:fillClrLst>
-    <dgm:linClrLst meth="repeat">
-      <a:schemeClr val="accent1">
-        <a:shade val="80000"/>
-      </a:schemeClr>
-    </dgm:linClrLst>
-    <dgm:effectClrLst/>
-    <dgm:txLinClrLst/>
-    <dgm:txFillClrLst meth="repeat">
-      <a:schemeClr val="tx1"/>
-    </dgm:txFillClrLst>
-    <dgm:txEffectClrLst/>
-  </dgm:styleLbl>
-  <dgm:styleLbl name="parChTrans1D4">
-    <dgm:fillClrLst meth="repeat">
-      <a:schemeClr val="accent1"/>
-    </dgm:fillClrLst>
-    <dgm:linClrLst meth="repeat">
-      <a:schemeClr val="accent1">
-        <a:shade val="80000"/>
-      </a:schemeClr>
-    </dgm:linClrLst>
-    <dgm:effectClrLst/>
-    <dgm:txLinClrLst/>
-    <dgm:txFillClrLst meth="repeat">
-      <a:schemeClr val="tx1"/>
-    </dgm:txFillClrLst>
-    <dgm:txEffectClrLst/>
-  </dgm:styleLbl>
-  <dgm:styleLbl name="fgAcc1">
-    <dgm:fillClrLst meth="repeat">
-      <a:schemeClr val="lt1">
-        <a:alpha val="90000"/>
-      </a:schemeClr>
-    </dgm:fillClrLst>
-    <dgm:linClrLst meth="repeat">
-      <a:schemeClr val="accent1"/>
-    </dgm:linClrLst>
-    <dgm:effectClrLst/>
-    <dgm:txLinClrLst/>
-    <dgm:txFillClrLst meth="repeat">
-      <a:schemeClr val="dk1"/>
-    </dgm:txFillClrLst>
-    <dgm:txEffectClrLst/>
-  </dgm:styleLbl>
-  <dgm:styleLbl name="conFgAcc1">
-    <dgm:fillClrLst meth="repeat">
-      <a:schemeClr val="lt1">
-        <a:alpha val="90000"/>
-      </a:schemeClr>
-    </dgm:fillClrLst>
-    <dgm:linClrLst meth="repeat">
-      <a:schemeClr val="accent1"/>
-    </dgm:linClrLst>
-    <dgm:effectClrLst/>
-    <dgm:txLinClrLst/>
-    <dgm:txFillClrLst meth="repeat">
-      <a:schemeClr val="dk1"/>
-    </dgm:txFillClrLst>
-    <dgm:txEffectClrLst/>
-  </dgm:styleLbl>
-  <dgm:styleLbl name="alignAcc1">
-    <dgm:fillClrLst meth="repeat">
-      <a:schemeClr val="lt1">
-        <a:alpha val="90000"/>
-      </a:schemeClr>
-    </dgm:fillClrLst>
-    <dgm:linClrLst meth="repeat">
-      <a:schemeClr val="accent1"/>
-    </dgm:linClrLst>
-    <dgm:effectClrLst/>
-    <dgm:txLinClrLst/>
-    <dgm:txFillClrLst meth="repeat">
-      <a:schemeClr val="dk1"/>
-    </dgm:txFillClrLst>
-    <dgm:txEffectClrLst/>
-  </dgm:styleLbl>
-  <dgm:styleLbl name="trAlignAcc1">
-    <dgm:fillClrLst meth="repeat">
-      <a:schemeClr val="lt1">
-        <a:alpha val="40000"/>
-      </a:schemeClr>
-    </dgm:fillClrLst>
-    <dgm:linClrLst meth="repeat">
-      <a:schemeClr val="accent1"/>
-    </dgm:linClrLst>
-    <dgm:effectClrLst/>
-    <dgm:txLinClrLst/>
-    <dgm:txFillClrLst meth="repeat">
-      <a:schemeClr val="dk1"/>
-    </dgm:txFillClrLst>
-    <dgm:txEffectClrLst/>
-  </dgm:styleLbl>
-  <dgm:styleLbl name="bgAcc1">
-    <dgm:fillClrLst meth="repeat">
-      <a:schemeClr val="lt1">
-        <a:alpha val="90000"/>
-      </a:schemeClr>
-    </dgm:fillClrLst>
-    <dgm:linClrLst meth="repeat">
-      <a:schemeClr val="accent1"/>
-    </dgm:linClrLst>
-    <dgm:effectClrLst/>
-    <dgm:txLinClrLst/>
-    <dgm:txFillClrLst meth="repeat">
-      <a:schemeClr val="dk1"/>
-    </dgm:txFillClrLst>
-    <dgm:txEffectClrLst/>
-  </dgm:styleLbl>
-  <dgm:styleLbl name="solidFgAcc1">
-    <dgm:fillClrLst meth="repeat">
-      <a:schemeClr val="lt1"/>
-    </dgm:fillClrLst>
-    <dgm:linClrLst meth="repeat">
-      <a:schemeClr val="accent1"/>
-    </dgm:linClrLst>
-    <dgm:effectClrLst/>
-    <dgm:txLinClrLst/>
-    <dgm:txFillClrLst meth="repeat">
-      <a:schemeClr val="dk1"/>
-    </dgm:txFillClrLst>
-    <dgm:txEffectClrLst/>
-  </dgm:styleLbl>
-  <dgm:styleLbl name="solidAlignAcc1">
-    <dgm:fillClrLst meth="repeat">
-      <a:schemeClr val="lt1"/>
-    </dgm:fillClrLst>
-    <dgm:linClrLst meth="repeat">
-      <a:schemeClr val="accent1"/>
-    </dgm:linClrLst>
-    <dgm:effectClrLst/>
-    <dgm:txLinClrLst/>
-    <dgm:txFillClrLst meth="repeat">
-      <a:schemeClr val="dk1"/>
-    </dgm:txFillClrLst>
-    <dgm:txEffectClrLst/>
-  </dgm:styleLbl>
-  <dgm:styleLbl name="solidBgAcc1">
-    <dgm:fillClrLst meth="repeat">
-      <a:schemeClr val="lt1"/>
-    </dgm:fillClrLst>
-    <dgm:linClrLst meth="repeat">
-      <a:schemeClr val="accent1"/>
-    </dgm:linClrLst>
-    <dgm:effectClrLst/>
-    <dgm:txLinClrLst/>
-    <dgm:txFillClrLst meth="repeat">
-      <a:schemeClr val="dk1"/>
-    </dgm:txFillClrLst>
-    <dgm:txEffectClrLst/>
-  </dgm:styleLbl>
-  <dgm:styleLbl name="fgAccFollowNode1">
-    <dgm:fillClrLst meth="repeat">
-      <a:schemeClr val="accent1">
-        <a:alpha val="90000"/>
-        <a:tint val="40000"/>
-      </a:schemeClr>
-    </dgm:fillClrLst>
-    <dgm:linClrLst meth="repeat">
-      <a:schemeClr val="accent1">
-        <a:alpha val="90000"/>
-        <a:tint val="40000"/>
-      </a:schemeClr>
-    </dgm:linClrLst>
-    <dgm:effectClrLst/>
-    <dgm:txLinClrLst/>
-    <dgm:txFillClrLst meth="repeat">
-      <a:schemeClr val="dk1"/>
-    </dgm:txFillClrLst>
-    <dgm:txEffectClrLst/>
-  </dgm:styleLbl>
-  <dgm:styleLbl name="alignAccFollowNode1">
-    <dgm:fillClrLst meth="repeat">
-      <a:schemeClr val="accent1">
-        <a:alpha val="90000"/>
-        <a:tint val="40000"/>
-      </a:schemeClr>
-    </dgm:fillClrLst>
-    <dgm:linClrLst meth="repeat">
-      <a:schemeClr val="accent1">
-        <a:alpha val="90000"/>
-        <a:tint val="40000"/>
-      </a:schemeClr>
-    </dgm:linClrLst>
-    <dgm:effectClrLst/>
-    <dgm:txLinClrLst/>
-    <dgm:txFillClrLst meth="repeat">
-      <a:schemeClr val="dk1"/>
-    </dgm:txFillClrLst>
-    <dgm:txEffectClrLst/>
-  </dgm:styleLbl>
-  <dgm:styleLbl name="bgAccFollowNode1">
-    <dgm:fillClrLst meth="repeat">
-      <a:schemeClr val="accent1">
-        <a:alpha val="90000"/>
-        <a:tint val="40000"/>
-      </a:schemeClr>
-    </dgm:fillClrLst>
-    <dgm:linClrLst meth="repeat">
-      <a:schemeClr val="accent1">
-        <a:alpha val="90000"/>
-        <a:tint val="40000"/>
-      </a:schemeClr>
-    </dgm:linClrLst>
-    <dgm:effectClrLst/>
-    <dgm:txLinClrLst/>
-    <dgm:txFillClrLst meth="repeat">
-      <a:schemeClr val="dk1"/>
-    </dgm:txFillClrLst>
-    <dgm:txEffectClrLst/>
-  </dgm:styleLbl>
-  <dgm:styleLbl name="fgAcc0">
-    <dgm:fillClrLst meth="repeat">
-      <a:schemeClr val="lt1">
-        <a:alpha val="90000"/>
-      </a:schemeClr>
-    </dgm:fillClrLst>
-    <dgm:linClrLst meth="repeat">
-      <a:schemeClr val="accent1"/>
-    </dgm:linClrLst>
-    <dgm:effectClrLst/>
-    <dgm:txLinClrLst/>
-    <dgm:txFillClrLst meth="repeat">
-      <a:schemeClr val="dk1"/>
-    </dgm:txFillClrLst>
-    <dgm:txEffectClrLst/>
-  </dgm:styleLbl>
-  <dgm:styleLbl name="fgAcc2">
-    <dgm:fillClrLst meth="repeat">
-      <a:schemeClr val="lt1">
-        <a:alpha val="90000"/>
-      </a:schemeClr>
-    </dgm:fillClrLst>
-    <dgm:linClrLst meth="repeat">
-      <a:schemeClr val="accent1"/>
-    </dgm:linClrLst>
-    <dgm:effectClrLst/>
-    <dgm:txLinClrLst/>
-    <dgm:txFillClrLst meth="repeat">
-      <a:schemeClr val="dk1"/>
-    </dgm:txFillClrLst>
-    <dgm:txEffectClrLst/>
-  </dgm:styleLbl>
-  <dgm:styleLbl name="fgAcc3">
-    <dgm:fillClrLst meth="repeat">
-      <a:schemeClr val="lt1">
-        <a:alpha val="90000"/>
-      </a:schemeClr>
-    </dgm:fillClrLst>
-    <dgm:linClrLst meth="repeat">
-      <a:schemeClr val="accent1"/>
-    </dgm:linClrLst>
-    <dgm:effectClrLst/>
-    <dgm:txLinClrLst/>
-    <dgm:txFillClrLst meth="repeat">
-      <a:schemeClr val="dk1"/>
-    </dgm:txFillClrLst>
-    <dgm:txEffectClrLst/>
-  </dgm:styleLbl>
-  <dgm:styleLbl name="fgAcc4">
-    <dgm:fillClrLst meth="repeat">
-      <a:schemeClr val="lt1">
-        <a:alpha val="90000"/>
-      </a:schemeClr>
-    </dgm:fillClrLst>
-    <dgm:linClrLst meth="repeat">
-      <a:schemeClr val="accent1"/>
-    </dgm:linClrLst>
-    <dgm:effectClrLst/>
-    <dgm:txLinClrLst/>
-    <dgm:txFillClrLst meth="repeat">
-      <a:schemeClr val="dk1"/>
-    </dgm:txFillClrLst>
-    <dgm:txEffectClrLst/>
-  </dgm:styleLbl>
-  <dgm:styleLbl name="bgShp">
-    <dgm:fillClrLst meth="repeat">
-      <a:schemeClr val="accent1">
-        <a:tint val="40000"/>
-      </a:schemeClr>
-    </dgm:fillClrLst>
-    <dgm:linClrLst meth="repeat">
-      <a:schemeClr val="accent1"/>
-    </dgm:linClrLst>
-    <dgm:effectClrLst/>
-    <dgm:txLinClrLst/>
-    <dgm:txFillClrLst meth="repeat">
-      <a:schemeClr val="dk1"/>
-    </dgm:txFillClrLst>
-    <dgm:txEffectClrLst/>
-  </dgm:styleLbl>
-  <dgm:styleLbl name="dkBgShp">
-    <dgm:fillClrLst meth="repeat">
-      <a:schemeClr val="accent1">
-        <a:shade val="80000"/>
-      </a:schemeClr>
-    </dgm:fillClrLst>
-    <dgm:linClrLst meth="repeat">
-      <a:schemeClr val="accent1"/>
-    </dgm:linClrLst>
-    <dgm:effectClrLst/>
-    <dgm:txLinClrLst/>
-    <dgm:txFillClrLst meth="repeat">
-      <a:schemeClr val="lt1"/>
-    </dgm:txFillClrLst>
-    <dgm:txEffectClrLst/>
-  </dgm:styleLbl>
-  <dgm:styleLbl name="trBgShp">
-    <dgm:fillClrLst meth="repeat">
-      <a:schemeClr val="accent1">
-        <a:tint val="50000"/>
-        <a:alpha val="40000"/>
-      </a:schemeClr>
-    </dgm:fillClrLst>
-    <dgm:linClrLst meth="repeat">
-      <a:schemeClr val="accent1"/>
-    </dgm:linClrLst>
-    <dgm:effectClrLst/>
-    <dgm:txLinClrLst/>
-    <dgm:txFillClrLst meth="repeat">
-      <a:schemeClr val="lt1"/>
-    </dgm:txFillClrLst>
-    <dgm:txEffectClrLst/>
-  </dgm:styleLbl>
-  <dgm:styleLbl name="fgShp">
-    <dgm:fillClrLst meth="repeat">
-      <a:schemeClr val="accent1">
-        <a:tint val="60000"/>
-      </a:schemeClr>
-    </dgm:fillClrLst>
-    <dgm:linClrLst meth="repeat">
-      <a:schemeClr val="lt1"/>
-    </dgm:linClrLst>
-    <dgm:effectClrLst/>
-    <dgm:txLinClrLst/>
-    <dgm:txFillClrLst meth="repeat">
-      <a:schemeClr val="dk1"/>
-    </dgm:txFillClrLst>
-    <dgm:txEffectClrLst/>
-  </dgm:styleLbl>
-  <dgm:styleLbl name="revTx">
-    <dgm:fillClrLst meth="repeat">
-      <a:schemeClr val="lt1">
-        <a:alpha val="0"/>
-      </a:schemeClr>
-    </dgm:fillClrLst>
-    <dgm:linClrLst meth="repeat">
-      <a:schemeClr val="dk1">
-        <a:alpha val="0"/>
-      </a:schemeClr>
-    </dgm:linClrLst>
-    <dgm:effectClrLst/>
-    <dgm:txLinClrLst/>
-    <dgm:txFillClrLst meth="repeat">
-      <a:schemeClr val="tx1"/>
-    </dgm:txFillClrLst>
-    <dgm:txEffectClrLst/>
-  </dgm:styleLbl>
-</dgm:colorsDef>
-</file>
-
-<file path=ppt/diagrams/data1.xml><?xml version="1.0" encoding="utf-8"?>
-<dgm:dataModel xmlns:dgm="http://schemas.openxmlformats.org/drawingml/2006/diagram" xmlns:a="http://schemas.openxmlformats.org/drawingml/2006/main">
-  <dgm:ptLst>
-    <dgm:pt modelId="{7B9FF026-5CAB-4304-9748-06836E61A866}" type="doc">
-      <dgm:prSet loTypeId="urn:microsoft.com/office/officeart/2008/layout/AlternatingHexagons" loCatId="list" qsTypeId="urn:microsoft.com/office/officeart/2005/8/quickstyle/simple1" qsCatId="simple" csTypeId="urn:microsoft.com/office/officeart/2005/8/colors/accent1_2" csCatId="accent1" phldr="1"/>
-      <dgm:spPr/>
-      <dgm:t>
-        <a:bodyPr/>
-        <a:lstStyle/>
-        <a:p>
-          <a:endParaRPr lang="en-CA"/>
-        </a:p>
-      </dgm:t>
-    </dgm:pt>
-    <dgm:pt modelId="{DE6EB1F9-CCB3-4241-A8B2-8CEFF8D795CB}">
-      <dgm:prSet phldrT="[Text]"/>
-      <dgm:spPr>
-        <a:solidFill>
-          <a:schemeClr val="accent2"/>
-        </a:solidFill>
-      </dgm:spPr>
-      <dgm:t>
-        <a:bodyPr/>
-        <a:lstStyle/>
-        <a:p>
-          <a:r>
-            <a:rPr lang="en-CA" dirty="0"/>
-            <a:t>IGs</a:t>
-          </a:r>
-        </a:p>
-      </dgm:t>
-    </dgm:pt>
-    <dgm:pt modelId="{69BC001D-944C-4A30-A7B8-B8D69C15D9D6}" type="parTrans" cxnId="{6ECCE027-A6A0-42D6-941C-5A2C9C256701}">
-      <dgm:prSet/>
-      <dgm:spPr/>
-      <dgm:t>
-        <a:bodyPr/>
-        <a:lstStyle/>
-        <a:p>
-          <a:endParaRPr lang="en-CA"/>
-        </a:p>
-      </dgm:t>
-    </dgm:pt>
-    <dgm:pt modelId="{66E7D1F5-38B8-4310-842B-F6D144FBFCDF}" type="sibTrans" cxnId="{6ECCE027-A6A0-42D6-941C-5A2C9C256701}">
-      <dgm:prSet/>
-      <dgm:spPr>
-        <a:solidFill>
-          <a:srgbClr val="7030A0"/>
-        </a:solidFill>
-      </dgm:spPr>
-      <dgm:t>
-        <a:bodyPr/>
-        <a:lstStyle/>
-        <a:p>
-          <a:endParaRPr lang="en-CA"/>
-        </a:p>
-      </dgm:t>
-    </dgm:pt>
-    <dgm:pt modelId="{9980857C-5114-4012-B4FF-6419E6A8B4CD}">
-      <dgm:prSet phldrT="[Text]" phldr="1"/>
-      <dgm:spPr/>
-      <dgm:t>
-        <a:bodyPr/>
-        <a:lstStyle/>
-        <a:p>
-          <a:endParaRPr lang="en-CA"/>
-        </a:p>
-      </dgm:t>
-    </dgm:pt>
-    <dgm:pt modelId="{6A20A1EB-308C-47AD-B3BC-26CE9D3F1052}" type="parTrans" cxnId="{0BF77C81-169A-4090-A916-3EC1EE5B79FB}">
-      <dgm:prSet/>
-      <dgm:spPr/>
-      <dgm:t>
-        <a:bodyPr/>
-        <a:lstStyle/>
-        <a:p>
-          <a:endParaRPr lang="en-CA"/>
-        </a:p>
-      </dgm:t>
-    </dgm:pt>
-    <dgm:pt modelId="{49E5CF0B-E149-4C1B-958D-CFBC1B3A6092}" type="sibTrans" cxnId="{0BF77C81-169A-4090-A916-3EC1EE5B79FB}">
-      <dgm:prSet/>
-      <dgm:spPr/>
-      <dgm:t>
-        <a:bodyPr/>
-        <a:lstStyle/>
-        <a:p>
-          <a:endParaRPr lang="en-CA"/>
-        </a:p>
-      </dgm:t>
-    </dgm:pt>
-    <dgm:pt modelId="{757D2285-5AD3-48D5-A30B-A1475F757A46}">
-      <dgm:prSet phldrT="[Text]"/>
-      <dgm:spPr/>
-      <dgm:t>
-        <a:bodyPr/>
-        <a:lstStyle/>
-        <a:p>
-          <a:r>
-            <a:rPr lang="en-CA" dirty="0"/>
-            <a:t>are</a:t>
-          </a:r>
-        </a:p>
-      </dgm:t>
-    </dgm:pt>
-    <dgm:pt modelId="{2BD43D25-3DD4-42A8-A1BF-F1BB357AE73B}" type="parTrans" cxnId="{A81F8D4D-BC6E-4624-96CF-CC06CEFAC2C4}">
-      <dgm:prSet/>
-      <dgm:spPr/>
-      <dgm:t>
-        <a:bodyPr/>
-        <a:lstStyle/>
-        <a:p>
-          <a:endParaRPr lang="en-CA"/>
-        </a:p>
-      </dgm:t>
-    </dgm:pt>
-    <dgm:pt modelId="{9A0D36BF-F080-4DAC-B7A8-50E376B2A202}" type="sibTrans" cxnId="{A81F8D4D-BC6E-4624-96CF-CC06CEFAC2C4}">
-      <dgm:prSet/>
-      <dgm:spPr>
-        <a:solidFill>
-          <a:schemeClr val="accent4">
-            <a:lumMod val="20000"/>
-            <a:lumOff val="80000"/>
-          </a:schemeClr>
-        </a:solidFill>
-      </dgm:spPr>
-      <dgm:t>
-        <a:bodyPr/>
-        <a:lstStyle/>
-        <a:p>
-          <a:endParaRPr lang="en-CA"/>
-        </a:p>
-      </dgm:t>
-    </dgm:pt>
-    <dgm:pt modelId="{14D61FD9-A2EC-4EE8-BAD6-8971FAE0D99D}">
-      <dgm:prSet phldrT="[Text]" phldr="1"/>
-      <dgm:spPr/>
-      <dgm:t>
-        <a:bodyPr/>
-        <a:lstStyle/>
-        <a:p>
-          <a:endParaRPr lang="en-CA"/>
-        </a:p>
-      </dgm:t>
-    </dgm:pt>
-    <dgm:pt modelId="{E86D932C-3B85-48EB-8694-9299A9C9F837}" type="parTrans" cxnId="{F94F8DAE-6783-41DB-A172-B4B4410A4677}">
-      <dgm:prSet/>
-      <dgm:spPr/>
-      <dgm:t>
-        <a:bodyPr/>
-        <a:lstStyle/>
-        <a:p>
-          <a:endParaRPr lang="en-CA"/>
-        </a:p>
-      </dgm:t>
-    </dgm:pt>
-    <dgm:pt modelId="{995CFC3E-A9C9-4474-B37D-9251FDA33630}" type="sibTrans" cxnId="{F94F8DAE-6783-41DB-A172-B4B4410A4677}">
-      <dgm:prSet/>
-      <dgm:spPr/>
-      <dgm:t>
-        <a:bodyPr/>
-        <a:lstStyle/>
-        <a:p>
-          <a:endParaRPr lang="en-CA"/>
-        </a:p>
-      </dgm:t>
-    </dgm:pt>
-    <dgm:pt modelId="{7B251DE8-F897-4A83-9BA6-365DA27C4CB9}">
-      <dgm:prSet phldrT="[Text]"/>
-      <dgm:spPr>
-        <a:solidFill>
-          <a:schemeClr val="accent6">
-            <a:lumMod val="60000"/>
-            <a:lumOff val="40000"/>
-          </a:schemeClr>
-        </a:solidFill>
-      </dgm:spPr>
-      <dgm:t>
-        <a:bodyPr/>
-        <a:lstStyle/>
-        <a:p>
-          <a:r>
-            <a:rPr lang="en-CA"/>
-            <a:t>awesome</a:t>
-          </a:r>
-        </a:p>
-      </dgm:t>
-    </dgm:pt>
-    <dgm:pt modelId="{F3506028-EA47-424A-ACB4-85B7643BF101}" type="parTrans" cxnId="{B2473CFF-ED84-4F13-B95F-6A2E2DCC12AE}">
-      <dgm:prSet/>
-      <dgm:spPr/>
-      <dgm:t>
-        <a:bodyPr/>
-        <a:lstStyle/>
-        <a:p>
-          <a:endParaRPr lang="en-CA"/>
-        </a:p>
-      </dgm:t>
-    </dgm:pt>
-    <dgm:pt modelId="{BC536BF2-A04F-4FE5-ACA4-579ADB6645FA}" type="sibTrans" cxnId="{B2473CFF-ED84-4F13-B95F-6A2E2DCC12AE}">
-      <dgm:prSet/>
-      <dgm:spPr>
-        <a:solidFill>
-          <a:srgbClr val="FF0000"/>
-        </a:solidFill>
-      </dgm:spPr>
-      <dgm:t>
-        <a:bodyPr/>
-        <a:lstStyle/>
-        <a:p>
-          <a:endParaRPr lang="en-CA"/>
-        </a:p>
-      </dgm:t>
-    </dgm:pt>
-    <dgm:pt modelId="{35D6D04A-A64C-4B20-B1C2-19DD037692E2}">
-      <dgm:prSet phldrT="[Text]" phldr="1"/>
-      <dgm:spPr/>
-      <dgm:t>
-        <a:bodyPr/>
-        <a:lstStyle/>
-        <a:p>
-          <a:endParaRPr lang="en-CA"/>
-        </a:p>
-      </dgm:t>
-    </dgm:pt>
-    <dgm:pt modelId="{938F04F8-75D7-4B70-8330-FA5E1B9560C0}" type="parTrans" cxnId="{3202E229-C387-4CD2-8667-F4DD014E10F6}">
-      <dgm:prSet/>
-      <dgm:spPr/>
-      <dgm:t>
-        <a:bodyPr/>
-        <a:lstStyle/>
-        <a:p>
-          <a:endParaRPr lang="en-CA"/>
-        </a:p>
-      </dgm:t>
-    </dgm:pt>
-    <dgm:pt modelId="{12302510-E136-4777-AB09-C016B61562AD}" type="sibTrans" cxnId="{3202E229-C387-4CD2-8667-F4DD014E10F6}">
-      <dgm:prSet/>
-      <dgm:spPr/>
-      <dgm:t>
-        <a:bodyPr/>
-        <a:lstStyle/>
-        <a:p>
-          <a:endParaRPr lang="en-CA"/>
-        </a:p>
-      </dgm:t>
-    </dgm:pt>
-    <dgm:pt modelId="{0296AC39-9A43-4A2E-8ACA-9A576277BB9E}" type="pres">
-      <dgm:prSet presAssocID="{7B9FF026-5CAB-4304-9748-06836E61A866}" presName="Name0" presStyleCnt="0">
-        <dgm:presLayoutVars>
-          <dgm:chMax/>
-          <dgm:chPref/>
-          <dgm:dir/>
-          <dgm:animLvl val="lvl"/>
-        </dgm:presLayoutVars>
-      </dgm:prSet>
-      <dgm:spPr/>
-    </dgm:pt>
-    <dgm:pt modelId="{45AD7BC3-31B3-4E98-ACDE-C6B178415FC1}" type="pres">
-      <dgm:prSet presAssocID="{DE6EB1F9-CCB3-4241-A8B2-8CEFF8D795CB}" presName="composite" presStyleCnt="0"/>
-      <dgm:spPr/>
-    </dgm:pt>
-    <dgm:pt modelId="{F22AB3D3-7148-4592-86DC-69E2CED8824D}" type="pres">
-      <dgm:prSet presAssocID="{DE6EB1F9-CCB3-4241-A8B2-8CEFF8D795CB}" presName="Parent1" presStyleLbl="node1" presStyleIdx="0" presStyleCnt="6">
-        <dgm:presLayoutVars>
-          <dgm:chMax val="1"/>
-          <dgm:chPref val="1"/>
-          <dgm:bulletEnabled val="1"/>
-        </dgm:presLayoutVars>
-      </dgm:prSet>
-      <dgm:spPr/>
-    </dgm:pt>
-    <dgm:pt modelId="{F85FB133-54E7-4116-BF5D-8BD233B34919}" type="pres">
-      <dgm:prSet presAssocID="{DE6EB1F9-CCB3-4241-A8B2-8CEFF8D795CB}" presName="Childtext1" presStyleLbl="revTx" presStyleIdx="0" presStyleCnt="3">
-        <dgm:presLayoutVars>
-          <dgm:chMax val="0"/>
-          <dgm:chPref val="0"/>
-          <dgm:bulletEnabled val="1"/>
-        </dgm:presLayoutVars>
-      </dgm:prSet>
-      <dgm:spPr/>
-    </dgm:pt>
-    <dgm:pt modelId="{05EC6220-18EF-46B0-A8DA-91D1E4E81E50}" type="pres">
-      <dgm:prSet presAssocID="{DE6EB1F9-CCB3-4241-A8B2-8CEFF8D795CB}" presName="BalanceSpacing" presStyleCnt="0"/>
-      <dgm:spPr/>
-    </dgm:pt>
-    <dgm:pt modelId="{93389839-FEAE-43FF-B974-951FA495462F}" type="pres">
-      <dgm:prSet presAssocID="{DE6EB1F9-CCB3-4241-A8B2-8CEFF8D795CB}" presName="BalanceSpacing1" presStyleCnt="0"/>
-      <dgm:spPr/>
-    </dgm:pt>
-    <dgm:pt modelId="{A9F5F316-838A-4B6C-BCD5-E08F3F0C49C3}" type="pres">
-      <dgm:prSet presAssocID="{66E7D1F5-38B8-4310-842B-F6D144FBFCDF}" presName="Accent1Text" presStyleLbl="node1" presStyleIdx="1" presStyleCnt="6"/>
-      <dgm:spPr/>
-    </dgm:pt>
-    <dgm:pt modelId="{64AC01F3-70F8-4234-91F1-64C5A59F1686}" type="pres">
-      <dgm:prSet presAssocID="{66E7D1F5-38B8-4310-842B-F6D144FBFCDF}" presName="spaceBetweenRectangles" presStyleCnt="0"/>
-      <dgm:spPr/>
-    </dgm:pt>
-    <dgm:pt modelId="{C6F6A9F6-2456-4E60-9BB3-DB333576FA1F}" type="pres">
-      <dgm:prSet presAssocID="{757D2285-5AD3-48D5-A30B-A1475F757A46}" presName="composite" presStyleCnt="0"/>
-      <dgm:spPr/>
-    </dgm:pt>
-    <dgm:pt modelId="{C9A35798-0772-4216-8CCB-899ECA011A51}" type="pres">
-      <dgm:prSet presAssocID="{757D2285-5AD3-48D5-A30B-A1475F757A46}" presName="Parent1" presStyleLbl="node1" presStyleIdx="2" presStyleCnt="6">
-        <dgm:presLayoutVars>
-          <dgm:chMax val="1"/>
-          <dgm:chPref val="1"/>
-          <dgm:bulletEnabled val="1"/>
-        </dgm:presLayoutVars>
-      </dgm:prSet>
-      <dgm:spPr/>
-    </dgm:pt>
-    <dgm:pt modelId="{D6EB1D52-B5AA-4F54-8D5D-0696CDA0C90C}" type="pres">
-      <dgm:prSet presAssocID="{757D2285-5AD3-48D5-A30B-A1475F757A46}" presName="Childtext1" presStyleLbl="revTx" presStyleIdx="1" presStyleCnt="3">
-        <dgm:presLayoutVars>
-          <dgm:chMax val="0"/>
-          <dgm:chPref val="0"/>
-          <dgm:bulletEnabled val="1"/>
-        </dgm:presLayoutVars>
-      </dgm:prSet>
-      <dgm:spPr/>
-    </dgm:pt>
-    <dgm:pt modelId="{B453ED18-0422-415F-BF35-07EFF24089FB}" type="pres">
-      <dgm:prSet presAssocID="{757D2285-5AD3-48D5-A30B-A1475F757A46}" presName="BalanceSpacing" presStyleCnt="0"/>
-      <dgm:spPr/>
-    </dgm:pt>
-    <dgm:pt modelId="{14374A99-5950-44F8-B9B4-917AC1256A53}" type="pres">
-      <dgm:prSet presAssocID="{757D2285-5AD3-48D5-A30B-A1475F757A46}" presName="BalanceSpacing1" presStyleCnt="0"/>
-      <dgm:spPr/>
-    </dgm:pt>
-    <dgm:pt modelId="{B95B73F6-A841-4DDA-B2BD-F5BA256FD53D}" type="pres">
-      <dgm:prSet presAssocID="{9A0D36BF-F080-4DAC-B7A8-50E376B2A202}" presName="Accent1Text" presStyleLbl="node1" presStyleIdx="3" presStyleCnt="6"/>
-      <dgm:spPr/>
-    </dgm:pt>
-    <dgm:pt modelId="{222D7C2C-F71E-4B23-8A0D-9C24EDCC2899}" type="pres">
-      <dgm:prSet presAssocID="{9A0D36BF-F080-4DAC-B7A8-50E376B2A202}" presName="spaceBetweenRectangles" presStyleCnt="0"/>
-      <dgm:spPr/>
-    </dgm:pt>
-    <dgm:pt modelId="{CA224A02-E2BD-49F2-92FF-505BE12095F6}" type="pres">
-      <dgm:prSet presAssocID="{7B251DE8-F897-4A83-9BA6-365DA27C4CB9}" presName="composite" presStyleCnt="0"/>
-      <dgm:spPr/>
-    </dgm:pt>
-    <dgm:pt modelId="{1D2AC8E7-159B-44BF-9CE2-4449837C8E84}" type="pres">
-      <dgm:prSet presAssocID="{7B251DE8-F897-4A83-9BA6-365DA27C4CB9}" presName="Parent1" presStyleLbl="node1" presStyleIdx="4" presStyleCnt="6">
-        <dgm:presLayoutVars>
-          <dgm:chMax val="1"/>
-          <dgm:chPref val="1"/>
-          <dgm:bulletEnabled val="1"/>
-        </dgm:presLayoutVars>
-      </dgm:prSet>
-      <dgm:spPr/>
-    </dgm:pt>
-    <dgm:pt modelId="{73ED2255-97BA-495F-9E0D-B5BC447B635D}" type="pres">
-      <dgm:prSet presAssocID="{7B251DE8-F897-4A83-9BA6-365DA27C4CB9}" presName="Childtext1" presStyleLbl="revTx" presStyleIdx="2" presStyleCnt="3">
-        <dgm:presLayoutVars>
-          <dgm:chMax val="0"/>
-          <dgm:chPref val="0"/>
-          <dgm:bulletEnabled val="1"/>
-        </dgm:presLayoutVars>
-      </dgm:prSet>
-      <dgm:spPr/>
-    </dgm:pt>
-    <dgm:pt modelId="{94382CFA-F56E-4CFE-981B-07AA6F0E405F}" type="pres">
-      <dgm:prSet presAssocID="{7B251DE8-F897-4A83-9BA6-365DA27C4CB9}" presName="BalanceSpacing" presStyleCnt="0"/>
-      <dgm:spPr/>
-    </dgm:pt>
-    <dgm:pt modelId="{D5344056-AA6F-4961-94DD-E6060438E83F}" type="pres">
-      <dgm:prSet presAssocID="{7B251DE8-F897-4A83-9BA6-365DA27C4CB9}" presName="BalanceSpacing1" presStyleCnt="0"/>
-      <dgm:spPr/>
-    </dgm:pt>
-    <dgm:pt modelId="{5C447899-5C47-44D2-B5A2-A9618FB7A98E}" type="pres">
-      <dgm:prSet presAssocID="{BC536BF2-A04F-4FE5-ACA4-579ADB6645FA}" presName="Accent1Text" presStyleLbl="node1" presStyleIdx="5" presStyleCnt="6"/>
-      <dgm:spPr/>
-    </dgm:pt>
-  </dgm:ptLst>
-  <dgm:cxnLst>
-    <dgm:cxn modelId="{AE46CC14-CB4A-41B1-A7FF-DE2863BB04EE}" type="presOf" srcId="{BC536BF2-A04F-4FE5-ACA4-579ADB6645FA}" destId="{5C447899-5C47-44D2-B5A2-A9618FB7A98E}" srcOrd="0" destOrd="0" presId="urn:microsoft.com/office/officeart/2008/layout/AlternatingHexagons"/>
-    <dgm:cxn modelId="{C2B6DA25-796C-466E-8135-66FDDE2950D2}" type="presOf" srcId="{DE6EB1F9-CCB3-4241-A8B2-8CEFF8D795CB}" destId="{F22AB3D3-7148-4592-86DC-69E2CED8824D}" srcOrd="0" destOrd="0" presId="urn:microsoft.com/office/officeart/2008/layout/AlternatingHexagons"/>
-    <dgm:cxn modelId="{6ECCE027-A6A0-42D6-941C-5A2C9C256701}" srcId="{7B9FF026-5CAB-4304-9748-06836E61A866}" destId="{DE6EB1F9-CCB3-4241-A8B2-8CEFF8D795CB}" srcOrd="0" destOrd="0" parTransId="{69BC001D-944C-4A30-A7B8-B8D69C15D9D6}" sibTransId="{66E7D1F5-38B8-4310-842B-F6D144FBFCDF}"/>
-    <dgm:cxn modelId="{3202E229-C387-4CD2-8667-F4DD014E10F6}" srcId="{7B251DE8-F897-4A83-9BA6-365DA27C4CB9}" destId="{35D6D04A-A64C-4B20-B1C2-19DD037692E2}" srcOrd="0" destOrd="0" parTransId="{938F04F8-75D7-4B70-8330-FA5E1B9560C0}" sibTransId="{12302510-E136-4777-AB09-C016B61562AD}"/>
-    <dgm:cxn modelId="{DAA9074B-8E0B-4755-A6A4-92F94131EF5C}" type="presOf" srcId="{757D2285-5AD3-48D5-A30B-A1475F757A46}" destId="{C9A35798-0772-4216-8CCB-899ECA011A51}" srcOrd="0" destOrd="0" presId="urn:microsoft.com/office/officeart/2008/layout/AlternatingHexagons"/>
-    <dgm:cxn modelId="{A81F8D4D-BC6E-4624-96CF-CC06CEFAC2C4}" srcId="{7B9FF026-5CAB-4304-9748-06836E61A866}" destId="{757D2285-5AD3-48D5-A30B-A1475F757A46}" srcOrd="1" destOrd="0" parTransId="{2BD43D25-3DD4-42A8-A1BF-F1BB357AE73B}" sibTransId="{9A0D36BF-F080-4DAC-B7A8-50E376B2A202}"/>
-    <dgm:cxn modelId="{732DC570-EB5C-4AB6-9114-0109C5BCE104}" type="presOf" srcId="{7B251DE8-F897-4A83-9BA6-365DA27C4CB9}" destId="{1D2AC8E7-159B-44BF-9CE2-4449837C8E84}" srcOrd="0" destOrd="0" presId="urn:microsoft.com/office/officeart/2008/layout/AlternatingHexagons"/>
-    <dgm:cxn modelId="{2930C852-0CE1-4A5A-B7B9-189DC705829B}" type="presOf" srcId="{7B9FF026-5CAB-4304-9748-06836E61A866}" destId="{0296AC39-9A43-4A2E-8ACA-9A576277BB9E}" srcOrd="0" destOrd="0" presId="urn:microsoft.com/office/officeart/2008/layout/AlternatingHexagons"/>
-    <dgm:cxn modelId="{B289A45A-B5D3-4CE2-999D-52481C6D76AD}" type="presOf" srcId="{66E7D1F5-38B8-4310-842B-F6D144FBFCDF}" destId="{A9F5F316-838A-4B6C-BCD5-E08F3F0C49C3}" srcOrd="0" destOrd="0" presId="urn:microsoft.com/office/officeart/2008/layout/AlternatingHexagons"/>
-    <dgm:cxn modelId="{0BF77C81-169A-4090-A916-3EC1EE5B79FB}" srcId="{DE6EB1F9-CCB3-4241-A8B2-8CEFF8D795CB}" destId="{9980857C-5114-4012-B4FF-6419E6A8B4CD}" srcOrd="0" destOrd="0" parTransId="{6A20A1EB-308C-47AD-B3BC-26CE9D3F1052}" sibTransId="{49E5CF0B-E149-4C1B-958D-CFBC1B3A6092}"/>
-    <dgm:cxn modelId="{C430ADA1-4FAA-4314-A829-6FC14DAE3766}" type="presOf" srcId="{9A0D36BF-F080-4DAC-B7A8-50E376B2A202}" destId="{B95B73F6-A841-4DDA-B2BD-F5BA256FD53D}" srcOrd="0" destOrd="0" presId="urn:microsoft.com/office/officeart/2008/layout/AlternatingHexagons"/>
-    <dgm:cxn modelId="{F94F8DAE-6783-41DB-A172-B4B4410A4677}" srcId="{757D2285-5AD3-48D5-A30B-A1475F757A46}" destId="{14D61FD9-A2EC-4EE8-BAD6-8971FAE0D99D}" srcOrd="0" destOrd="0" parTransId="{E86D932C-3B85-48EB-8694-9299A9C9F837}" sibTransId="{995CFC3E-A9C9-4474-B37D-9251FDA33630}"/>
-    <dgm:cxn modelId="{5829CCC6-B5E4-4171-BEA3-9D6E7946254F}" type="presOf" srcId="{35D6D04A-A64C-4B20-B1C2-19DD037692E2}" destId="{73ED2255-97BA-495F-9E0D-B5BC447B635D}" srcOrd="0" destOrd="0" presId="urn:microsoft.com/office/officeart/2008/layout/AlternatingHexagons"/>
-    <dgm:cxn modelId="{9A26B3CE-2DED-425A-BF62-C624BFF54B70}" type="presOf" srcId="{9980857C-5114-4012-B4FF-6419E6A8B4CD}" destId="{F85FB133-54E7-4116-BF5D-8BD233B34919}" srcOrd="0" destOrd="0" presId="urn:microsoft.com/office/officeart/2008/layout/AlternatingHexagons"/>
-    <dgm:cxn modelId="{25CD81EA-4B24-4683-B1FF-177E0214BA64}" type="presOf" srcId="{14D61FD9-A2EC-4EE8-BAD6-8971FAE0D99D}" destId="{D6EB1D52-B5AA-4F54-8D5D-0696CDA0C90C}" srcOrd="0" destOrd="0" presId="urn:microsoft.com/office/officeart/2008/layout/AlternatingHexagons"/>
-    <dgm:cxn modelId="{B2473CFF-ED84-4F13-B95F-6A2E2DCC12AE}" srcId="{7B9FF026-5CAB-4304-9748-06836E61A866}" destId="{7B251DE8-F897-4A83-9BA6-365DA27C4CB9}" srcOrd="2" destOrd="0" parTransId="{F3506028-EA47-424A-ACB4-85B7643BF101}" sibTransId="{BC536BF2-A04F-4FE5-ACA4-579ADB6645FA}"/>
-    <dgm:cxn modelId="{35F90A11-F342-44E6-8D04-1358F9C1D94F}" type="presParOf" srcId="{0296AC39-9A43-4A2E-8ACA-9A576277BB9E}" destId="{45AD7BC3-31B3-4E98-ACDE-C6B178415FC1}" srcOrd="0" destOrd="0" presId="urn:microsoft.com/office/officeart/2008/layout/AlternatingHexagons"/>
-    <dgm:cxn modelId="{1ABFD832-8AA8-4EF8-B0BF-72D5C9AC1F69}" type="presParOf" srcId="{45AD7BC3-31B3-4E98-ACDE-C6B178415FC1}" destId="{F22AB3D3-7148-4592-86DC-69E2CED8824D}" srcOrd="0" destOrd="0" presId="urn:microsoft.com/office/officeart/2008/layout/AlternatingHexagons"/>
-    <dgm:cxn modelId="{FBAAF286-BE2C-45ED-9530-BAA2447D7117}" type="presParOf" srcId="{45AD7BC3-31B3-4E98-ACDE-C6B178415FC1}" destId="{F85FB133-54E7-4116-BF5D-8BD233B34919}" srcOrd="1" destOrd="0" presId="urn:microsoft.com/office/officeart/2008/layout/AlternatingHexagons"/>
-    <dgm:cxn modelId="{6C81FC1C-6351-40B5-BDB2-8FEB8204EEC7}" type="presParOf" srcId="{45AD7BC3-31B3-4E98-ACDE-C6B178415FC1}" destId="{05EC6220-18EF-46B0-A8DA-91D1E4E81E50}" srcOrd="2" destOrd="0" presId="urn:microsoft.com/office/officeart/2008/layout/AlternatingHexagons"/>
-    <dgm:cxn modelId="{C3FFE3C0-8549-4A89-85D5-829B9E2D40EC}" type="presParOf" srcId="{45AD7BC3-31B3-4E98-ACDE-C6B178415FC1}" destId="{93389839-FEAE-43FF-B974-951FA495462F}" srcOrd="3" destOrd="0" presId="urn:microsoft.com/office/officeart/2008/layout/AlternatingHexagons"/>
-    <dgm:cxn modelId="{9B4A2716-C608-4265-8F2E-6B880275C046}" type="presParOf" srcId="{45AD7BC3-31B3-4E98-ACDE-C6B178415FC1}" destId="{A9F5F316-838A-4B6C-BCD5-E08F3F0C49C3}" srcOrd="4" destOrd="0" presId="urn:microsoft.com/office/officeart/2008/layout/AlternatingHexagons"/>
-    <dgm:cxn modelId="{0F999D5F-F548-4C96-8A7A-93D42F7410E7}" type="presParOf" srcId="{0296AC39-9A43-4A2E-8ACA-9A576277BB9E}" destId="{64AC01F3-70F8-4234-91F1-64C5A59F1686}" srcOrd="1" destOrd="0" presId="urn:microsoft.com/office/officeart/2008/layout/AlternatingHexagons"/>
-    <dgm:cxn modelId="{FEE4820A-7551-4022-9915-210D8B2BE108}" type="presParOf" srcId="{0296AC39-9A43-4A2E-8ACA-9A576277BB9E}" destId="{C6F6A9F6-2456-4E60-9BB3-DB333576FA1F}" srcOrd="2" destOrd="0" presId="urn:microsoft.com/office/officeart/2008/layout/AlternatingHexagons"/>
-    <dgm:cxn modelId="{033AB5BE-93A1-418D-B52D-17CBA64AAE50}" type="presParOf" srcId="{C6F6A9F6-2456-4E60-9BB3-DB333576FA1F}" destId="{C9A35798-0772-4216-8CCB-899ECA011A51}" srcOrd="0" destOrd="0" presId="urn:microsoft.com/office/officeart/2008/layout/AlternatingHexagons"/>
-    <dgm:cxn modelId="{E70B9053-A472-41FD-A31A-F386B75C5023}" type="presParOf" srcId="{C6F6A9F6-2456-4E60-9BB3-DB333576FA1F}" destId="{D6EB1D52-B5AA-4F54-8D5D-0696CDA0C90C}" srcOrd="1" destOrd="0" presId="urn:microsoft.com/office/officeart/2008/layout/AlternatingHexagons"/>
-    <dgm:cxn modelId="{CCDCF49D-7841-48B5-84F0-B344E0D734DD}" type="presParOf" srcId="{C6F6A9F6-2456-4E60-9BB3-DB333576FA1F}" destId="{B453ED18-0422-415F-BF35-07EFF24089FB}" srcOrd="2" destOrd="0" presId="urn:microsoft.com/office/officeart/2008/layout/AlternatingHexagons"/>
-    <dgm:cxn modelId="{F11D9260-AF5F-41A9-9D86-8AA309E47ABD}" type="presParOf" srcId="{C6F6A9F6-2456-4E60-9BB3-DB333576FA1F}" destId="{14374A99-5950-44F8-B9B4-917AC1256A53}" srcOrd="3" destOrd="0" presId="urn:microsoft.com/office/officeart/2008/layout/AlternatingHexagons"/>
-    <dgm:cxn modelId="{670A3241-EB46-400F-9C8B-C34856DDC4C4}" type="presParOf" srcId="{C6F6A9F6-2456-4E60-9BB3-DB333576FA1F}" destId="{B95B73F6-A841-4DDA-B2BD-F5BA256FD53D}" srcOrd="4" destOrd="0" presId="urn:microsoft.com/office/officeart/2008/layout/AlternatingHexagons"/>
-    <dgm:cxn modelId="{95B0E2E9-A80A-4336-BF0E-9269770BFE12}" type="presParOf" srcId="{0296AC39-9A43-4A2E-8ACA-9A576277BB9E}" destId="{222D7C2C-F71E-4B23-8A0D-9C24EDCC2899}" srcOrd="3" destOrd="0" presId="urn:microsoft.com/office/officeart/2008/layout/AlternatingHexagons"/>
-    <dgm:cxn modelId="{B0FB10DD-2452-42C7-A224-6EE6B00B570F}" type="presParOf" srcId="{0296AC39-9A43-4A2E-8ACA-9A576277BB9E}" destId="{CA224A02-E2BD-49F2-92FF-505BE12095F6}" srcOrd="4" destOrd="0" presId="urn:microsoft.com/office/officeart/2008/layout/AlternatingHexagons"/>
-    <dgm:cxn modelId="{BD996FC6-C213-49F1-9966-24F59BACF903}" type="presParOf" srcId="{CA224A02-E2BD-49F2-92FF-505BE12095F6}" destId="{1D2AC8E7-159B-44BF-9CE2-4449837C8E84}" srcOrd="0" destOrd="0" presId="urn:microsoft.com/office/officeart/2008/layout/AlternatingHexagons"/>
-    <dgm:cxn modelId="{1C94B010-A644-434A-87DB-08E4BE2A8233}" type="presParOf" srcId="{CA224A02-E2BD-49F2-92FF-505BE12095F6}" destId="{73ED2255-97BA-495F-9E0D-B5BC447B635D}" srcOrd="1" destOrd="0" presId="urn:microsoft.com/office/officeart/2008/layout/AlternatingHexagons"/>
-    <dgm:cxn modelId="{D6D1F791-8510-4D93-916C-7161AF746B67}" type="presParOf" srcId="{CA224A02-E2BD-49F2-92FF-505BE12095F6}" destId="{94382CFA-F56E-4CFE-981B-07AA6F0E405F}" srcOrd="2" destOrd="0" presId="urn:microsoft.com/office/officeart/2008/layout/AlternatingHexagons"/>
-    <dgm:cxn modelId="{CEF26F74-405B-4AE2-A5CE-97B4429C0FA2}" type="presParOf" srcId="{CA224A02-E2BD-49F2-92FF-505BE12095F6}" destId="{D5344056-AA6F-4961-94DD-E6060438E83F}" srcOrd="3" destOrd="0" presId="urn:microsoft.com/office/officeart/2008/layout/AlternatingHexagons"/>
-    <dgm:cxn modelId="{A8D06387-76ED-4623-8430-CB56AC5F451F}" type="presParOf" srcId="{CA224A02-E2BD-49F2-92FF-505BE12095F6}" destId="{5C447899-5C47-44D2-B5A2-A9618FB7A98E}" srcOrd="4" destOrd="0" presId="urn:microsoft.com/office/officeart/2008/layout/AlternatingHexagons"/>
-  </dgm:cxnLst>
-  <dgm:bg/>
-  <dgm:whole/>
-  <dgm:extLst>
-    <a:ext uri="http://schemas.microsoft.com/office/drawing/2008/diagram">
-      <dsp:dataModelExt xmlns:dsp="http://schemas.microsoft.com/office/drawing/2008/diagram" relId="rId6" minVer="http://schemas.openxmlformats.org/drawingml/2006/diagram"/>
-    </a:ext>
-  </dgm:extLst>
-</dgm:dataModel>
-</file>
-
-<file path=ppt/diagrams/drawing1.xml><?xml version="1.0" encoding="utf-8"?>
-<dsp:drawing xmlns:dgm="http://schemas.openxmlformats.org/drawingml/2006/diagram" xmlns:dsp="http://schemas.microsoft.com/office/drawing/2008/diagram" xmlns:a="http://schemas.openxmlformats.org/drawingml/2006/main">
-  <dsp:spTree>
-    <dsp:nvGrpSpPr>
-      <dsp:cNvPr id="0" name=""/>
-      <dsp:cNvGrpSpPr/>
-    </dsp:nvGrpSpPr>
-    <dsp:grpSpPr/>
-    <dsp:sp modelId="{F22AB3D3-7148-4592-86DC-69E2CED8824D}">
-      <dsp:nvSpPr>
-        <dsp:cNvPr id="0" name=""/>
-        <dsp:cNvSpPr/>
-      </dsp:nvSpPr>
-      <dsp:spPr>
-        <a:xfrm rot="5400000">
-          <a:off x="3506806" y="130656"/>
-          <a:ext cx="2008628" cy="1747506"/>
-        </a:xfrm>
-        <a:prstGeom prst="hexagon">
-          <a:avLst>
-            <a:gd name="adj" fmla="val 25000"/>
-            <a:gd name="vf" fmla="val 115470"/>
-          </a:avLst>
-        </a:prstGeom>
-        <a:solidFill>
-          <a:schemeClr val="accent2"/>
-        </a:solidFill>
-        <a:ln w="12700" cap="flat" cmpd="sng" algn="ctr">
-          <a:solidFill>
-            <a:schemeClr val="lt1">
-              <a:hueOff val="0"/>
-              <a:satOff val="0"/>
-              <a:lumOff val="0"/>
-              <a:alphaOff val="0"/>
-            </a:schemeClr>
-          </a:solidFill>
-          <a:prstDash val="solid"/>
-          <a:miter lim="800000"/>
-        </a:ln>
-        <a:effectLst/>
-      </dsp:spPr>
-      <dsp:style>
-        <a:lnRef idx="2">
-          <a:scrgbClr r="0" g="0" b="0"/>
-        </a:lnRef>
-        <a:fillRef idx="1">
-          <a:scrgbClr r="0" g="0" b="0"/>
-        </a:fillRef>
-        <a:effectRef idx="0">
-          <a:scrgbClr r="0" g="0" b="0"/>
-        </a:effectRef>
-        <a:fontRef idx="minor">
-          <a:schemeClr val="lt1"/>
-        </a:fontRef>
-      </dsp:style>
-      <dsp:txBody>
-        <a:bodyPr spcFirstLastPara="0" vert="horz" wrap="square" lIns="80010" tIns="80010" rIns="80010" bIns="80010" numCol="1" spcCol="1270" anchor="ctr" anchorCtr="0">
-          <a:noAutofit/>
-        </a:bodyPr>
-        <a:lstStyle/>
-        <a:p>
-          <a:pPr marL="0" lvl="0" indent="0" algn="ctr" defTabSz="933450">
-            <a:lnSpc>
-              <a:spcPct val="90000"/>
-            </a:lnSpc>
-            <a:spcBef>
-              <a:spcPct val="0"/>
-            </a:spcBef>
-            <a:spcAft>
-              <a:spcPct val="35000"/>
-            </a:spcAft>
-            <a:buNone/>
-          </a:pPr>
-          <a:r>
-            <a:rPr lang="en-CA" sz="2100" kern="1200" dirty="0"/>
-            <a:t>IGs</a:t>
-          </a:r>
-        </a:p>
-      </dsp:txBody>
-      <dsp:txXfrm rot="-5400000">
-        <a:off x="3909687" y="313106"/>
-        <a:ext cx="1202866" cy="1382606"/>
-      </dsp:txXfrm>
-    </dsp:sp>
-    <dsp:sp modelId="{F85FB133-54E7-4116-BF5D-8BD233B34919}">
-      <dsp:nvSpPr>
-        <dsp:cNvPr id="0" name=""/>
-        <dsp:cNvSpPr/>
-      </dsp:nvSpPr>
-      <dsp:spPr>
-        <a:xfrm>
-          <a:off x="5437901" y="401821"/>
-          <a:ext cx="2241629" cy="1205177"/>
-        </a:xfrm>
-        <a:prstGeom prst="rect">
-          <a:avLst/>
-        </a:prstGeom>
-        <a:noFill/>
-        <a:ln>
-          <a:noFill/>
-        </a:ln>
-        <a:effectLst/>
-      </dsp:spPr>
-      <dsp:style>
-        <a:lnRef idx="0">
-          <a:scrgbClr r="0" g="0" b="0"/>
-        </a:lnRef>
-        <a:fillRef idx="0">
-          <a:scrgbClr r="0" g="0" b="0"/>
-        </a:fillRef>
-        <a:effectRef idx="0">
-          <a:scrgbClr r="0" g="0" b="0"/>
-        </a:effectRef>
-        <a:fontRef idx="minor"/>
-      </dsp:style>
-      <dsp:txBody>
-        <a:bodyPr spcFirstLastPara="0" vert="horz" wrap="square" lIns="80010" tIns="80010" rIns="80010" bIns="80010" numCol="1" spcCol="1270" anchor="ctr" anchorCtr="0">
-          <a:noAutofit/>
-        </a:bodyPr>
-        <a:lstStyle/>
-        <a:p>
-          <a:pPr marL="0" lvl="0" indent="0" algn="l" defTabSz="933450">
-            <a:lnSpc>
-              <a:spcPct val="90000"/>
-            </a:lnSpc>
-            <a:spcBef>
-              <a:spcPct val="0"/>
-            </a:spcBef>
-            <a:spcAft>
-              <a:spcPct val="35000"/>
-            </a:spcAft>
-            <a:buNone/>
-          </a:pPr>
-          <a:endParaRPr lang="en-CA" sz="2100" kern="1200"/>
-        </a:p>
-      </dsp:txBody>
-      <dsp:txXfrm>
-        <a:off x="5437901" y="401821"/>
-        <a:ext cx="2241629" cy="1205177"/>
-      </dsp:txXfrm>
-    </dsp:sp>
-    <dsp:sp modelId="{A9F5F316-838A-4B6C-BCD5-E08F3F0C49C3}">
-      <dsp:nvSpPr>
-        <dsp:cNvPr id="0" name=""/>
-        <dsp:cNvSpPr/>
-      </dsp:nvSpPr>
-      <dsp:spPr>
-        <a:xfrm rot="5400000">
-          <a:off x="1619499" y="130656"/>
-          <a:ext cx="2008628" cy="1747506"/>
-        </a:xfrm>
-        <a:prstGeom prst="hexagon">
-          <a:avLst>
-            <a:gd name="adj" fmla="val 25000"/>
-            <a:gd name="vf" fmla="val 115470"/>
-          </a:avLst>
-        </a:prstGeom>
-        <a:solidFill>
-          <a:srgbClr val="7030A0"/>
-        </a:solidFill>
-        <a:ln w="12700" cap="flat" cmpd="sng" algn="ctr">
-          <a:solidFill>
-            <a:schemeClr val="lt1">
-              <a:hueOff val="0"/>
-              <a:satOff val="0"/>
-              <a:lumOff val="0"/>
-              <a:alphaOff val="0"/>
-            </a:schemeClr>
-          </a:solidFill>
-          <a:prstDash val="solid"/>
-          <a:miter lim="800000"/>
-        </a:ln>
-        <a:effectLst/>
-      </dsp:spPr>
-      <dsp:style>
-        <a:lnRef idx="2">
-          <a:scrgbClr r="0" g="0" b="0"/>
-        </a:lnRef>
-        <a:fillRef idx="1">
-          <a:scrgbClr r="0" g="0" b="0"/>
-        </a:fillRef>
-        <a:effectRef idx="0">
-          <a:scrgbClr r="0" g="0" b="0"/>
-        </a:effectRef>
-        <a:fontRef idx="minor">
-          <a:schemeClr val="lt1"/>
-        </a:fontRef>
-      </dsp:style>
-      <dsp:txBody>
-        <a:bodyPr spcFirstLastPara="0" vert="horz" wrap="square" lIns="0" tIns="0" rIns="0" bIns="0" numCol="1" spcCol="1270" anchor="ctr" anchorCtr="0">
-          <a:noAutofit/>
-        </a:bodyPr>
-        <a:lstStyle/>
-        <a:p>
-          <a:pPr marL="0" lvl="0" indent="0" algn="ctr" defTabSz="1600200">
-            <a:lnSpc>
-              <a:spcPct val="90000"/>
-            </a:lnSpc>
-            <a:spcBef>
-              <a:spcPct val="0"/>
-            </a:spcBef>
-            <a:spcAft>
-              <a:spcPct val="35000"/>
-            </a:spcAft>
-            <a:buNone/>
-          </a:pPr>
-          <a:endParaRPr lang="en-CA" sz="3600" kern="1200"/>
-        </a:p>
-      </dsp:txBody>
-      <dsp:txXfrm rot="-5400000">
-        <a:off x="2022380" y="313106"/>
-        <a:ext cx="1202866" cy="1382606"/>
-      </dsp:txXfrm>
-    </dsp:sp>
-    <dsp:sp modelId="{C9A35798-0772-4216-8CCB-899ECA011A51}">
-      <dsp:nvSpPr>
-        <dsp:cNvPr id="0" name=""/>
-        <dsp:cNvSpPr/>
-      </dsp:nvSpPr>
-      <dsp:spPr>
-        <a:xfrm rot="5400000">
-          <a:off x="2559537" y="1835580"/>
-          <a:ext cx="2008628" cy="1747506"/>
-        </a:xfrm>
-        <a:prstGeom prst="hexagon">
-          <a:avLst>
-            <a:gd name="adj" fmla="val 25000"/>
-            <a:gd name="vf" fmla="val 115470"/>
-          </a:avLst>
-        </a:prstGeom>
-        <a:solidFill>
-          <a:schemeClr val="accent1">
-            <a:hueOff val="0"/>
-            <a:satOff val="0"/>
-            <a:lumOff val="0"/>
-            <a:alphaOff val="0"/>
-          </a:schemeClr>
-        </a:solidFill>
-        <a:ln w="12700" cap="flat" cmpd="sng" algn="ctr">
-          <a:solidFill>
-            <a:schemeClr val="lt1">
-              <a:hueOff val="0"/>
-              <a:satOff val="0"/>
-              <a:lumOff val="0"/>
-              <a:alphaOff val="0"/>
-            </a:schemeClr>
-          </a:solidFill>
-          <a:prstDash val="solid"/>
-          <a:miter lim="800000"/>
-        </a:ln>
-        <a:effectLst/>
-      </dsp:spPr>
-      <dsp:style>
-        <a:lnRef idx="2">
-          <a:scrgbClr r="0" g="0" b="0"/>
-        </a:lnRef>
-        <a:fillRef idx="1">
-          <a:scrgbClr r="0" g="0" b="0"/>
-        </a:fillRef>
-        <a:effectRef idx="0">
-          <a:scrgbClr r="0" g="0" b="0"/>
-        </a:effectRef>
-        <a:fontRef idx="minor">
-          <a:schemeClr val="lt1"/>
-        </a:fontRef>
-      </dsp:style>
-      <dsp:txBody>
-        <a:bodyPr spcFirstLastPara="0" vert="horz" wrap="square" lIns="80010" tIns="80010" rIns="80010" bIns="80010" numCol="1" spcCol="1270" anchor="ctr" anchorCtr="0">
-          <a:noAutofit/>
-        </a:bodyPr>
-        <a:lstStyle/>
-        <a:p>
-          <a:pPr marL="0" lvl="0" indent="0" algn="ctr" defTabSz="933450">
-            <a:lnSpc>
-              <a:spcPct val="90000"/>
-            </a:lnSpc>
-            <a:spcBef>
-              <a:spcPct val="0"/>
-            </a:spcBef>
-            <a:spcAft>
-              <a:spcPct val="35000"/>
-            </a:spcAft>
-            <a:buNone/>
-          </a:pPr>
-          <a:r>
-            <a:rPr lang="en-CA" sz="2100" kern="1200" dirty="0"/>
-            <a:t>are</a:t>
-          </a:r>
-        </a:p>
-      </dsp:txBody>
-      <dsp:txXfrm rot="-5400000">
-        <a:off x="2962418" y="2018030"/>
-        <a:ext cx="1202866" cy="1382606"/>
-      </dsp:txXfrm>
-    </dsp:sp>
-    <dsp:sp modelId="{D6EB1D52-B5AA-4F54-8D5D-0696CDA0C90C}">
-      <dsp:nvSpPr>
-        <dsp:cNvPr id="0" name=""/>
-        <dsp:cNvSpPr/>
-      </dsp:nvSpPr>
-      <dsp:spPr>
-        <a:xfrm>
-          <a:off x="448468" y="2106744"/>
-          <a:ext cx="2169318" cy="1205177"/>
-        </a:xfrm>
-        <a:prstGeom prst="rect">
-          <a:avLst/>
-        </a:prstGeom>
-        <a:noFill/>
-        <a:ln>
-          <a:noFill/>
-        </a:ln>
-        <a:effectLst/>
-      </dsp:spPr>
-      <dsp:style>
-        <a:lnRef idx="0">
-          <a:scrgbClr r="0" g="0" b="0"/>
-        </a:lnRef>
-        <a:fillRef idx="0">
-          <a:scrgbClr r="0" g="0" b="0"/>
-        </a:fillRef>
-        <a:effectRef idx="0">
-          <a:scrgbClr r="0" g="0" b="0"/>
-        </a:effectRef>
-        <a:fontRef idx="minor"/>
-      </dsp:style>
-      <dsp:txBody>
-        <a:bodyPr spcFirstLastPara="0" vert="horz" wrap="square" lIns="80010" tIns="80010" rIns="80010" bIns="80010" numCol="1" spcCol="1270" anchor="ctr" anchorCtr="0">
-          <a:noAutofit/>
-        </a:bodyPr>
-        <a:lstStyle/>
-        <a:p>
-          <a:pPr marL="0" lvl="0" indent="0" algn="r" defTabSz="933450">
-            <a:lnSpc>
-              <a:spcPct val="90000"/>
-            </a:lnSpc>
-            <a:spcBef>
-              <a:spcPct val="0"/>
-            </a:spcBef>
-            <a:spcAft>
-              <a:spcPct val="35000"/>
-            </a:spcAft>
-            <a:buNone/>
-          </a:pPr>
-          <a:endParaRPr lang="en-CA" sz="2100" kern="1200"/>
-        </a:p>
-      </dsp:txBody>
-      <dsp:txXfrm>
-        <a:off x="448468" y="2106744"/>
-        <a:ext cx="2169318" cy="1205177"/>
-      </dsp:txXfrm>
-    </dsp:sp>
-    <dsp:sp modelId="{B95B73F6-A841-4DDA-B2BD-F5BA256FD53D}">
-      <dsp:nvSpPr>
-        <dsp:cNvPr id="0" name=""/>
-        <dsp:cNvSpPr/>
-      </dsp:nvSpPr>
-      <dsp:spPr>
-        <a:xfrm rot="5400000">
-          <a:off x="4446844" y="1835580"/>
-          <a:ext cx="2008628" cy="1747506"/>
-        </a:xfrm>
-        <a:prstGeom prst="hexagon">
-          <a:avLst>
-            <a:gd name="adj" fmla="val 25000"/>
-            <a:gd name="vf" fmla="val 115470"/>
-          </a:avLst>
-        </a:prstGeom>
-        <a:solidFill>
-          <a:schemeClr val="accent4">
-            <a:lumMod val="20000"/>
-            <a:lumOff val="80000"/>
-          </a:schemeClr>
-        </a:solidFill>
-        <a:ln w="12700" cap="flat" cmpd="sng" algn="ctr">
-          <a:solidFill>
-            <a:schemeClr val="lt1">
-              <a:hueOff val="0"/>
-              <a:satOff val="0"/>
-              <a:lumOff val="0"/>
-              <a:alphaOff val="0"/>
-            </a:schemeClr>
-          </a:solidFill>
-          <a:prstDash val="solid"/>
-          <a:miter lim="800000"/>
-        </a:ln>
-        <a:effectLst/>
-      </dsp:spPr>
-      <dsp:style>
-        <a:lnRef idx="2">
-          <a:scrgbClr r="0" g="0" b="0"/>
-        </a:lnRef>
-        <a:fillRef idx="1">
-          <a:scrgbClr r="0" g="0" b="0"/>
-        </a:fillRef>
-        <a:effectRef idx="0">
-          <a:scrgbClr r="0" g="0" b="0"/>
-        </a:effectRef>
-        <a:fontRef idx="minor">
-          <a:schemeClr val="lt1"/>
-        </a:fontRef>
-      </dsp:style>
-      <dsp:txBody>
-        <a:bodyPr spcFirstLastPara="0" vert="horz" wrap="square" lIns="0" tIns="0" rIns="0" bIns="0" numCol="1" spcCol="1270" anchor="ctr" anchorCtr="0">
-          <a:noAutofit/>
-        </a:bodyPr>
-        <a:lstStyle/>
-        <a:p>
-          <a:pPr marL="0" lvl="0" indent="0" algn="ctr" defTabSz="1600200">
-            <a:lnSpc>
-              <a:spcPct val="90000"/>
-            </a:lnSpc>
-            <a:spcBef>
-              <a:spcPct val="0"/>
-            </a:spcBef>
-            <a:spcAft>
-              <a:spcPct val="35000"/>
-            </a:spcAft>
-            <a:buNone/>
-          </a:pPr>
-          <a:endParaRPr lang="en-CA" sz="3600" kern="1200"/>
-        </a:p>
-      </dsp:txBody>
-      <dsp:txXfrm rot="-5400000">
-        <a:off x="4849725" y="2018030"/>
-        <a:ext cx="1202866" cy="1382606"/>
-      </dsp:txXfrm>
-    </dsp:sp>
-    <dsp:sp modelId="{1D2AC8E7-159B-44BF-9CE2-4449837C8E84}">
-      <dsp:nvSpPr>
-        <dsp:cNvPr id="0" name=""/>
-        <dsp:cNvSpPr/>
-      </dsp:nvSpPr>
-      <dsp:spPr>
-        <a:xfrm rot="5400000">
-          <a:off x="3506806" y="3540503"/>
-          <a:ext cx="2008628" cy="1747506"/>
-        </a:xfrm>
-        <a:prstGeom prst="hexagon">
-          <a:avLst>
-            <a:gd name="adj" fmla="val 25000"/>
-            <a:gd name="vf" fmla="val 115470"/>
-          </a:avLst>
-        </a:prstGeom>
-        <a:solidFill>
-          <a:schemeClr val="accent6">
-            <a:lumMod val="60000"/>
-            <a:lumOff val="40000"/>
-          </a:schemeClr>
-        </a:solidFill>
-        <a:ln w="12700" cap="flat" cmpd="sng" algn="ctr">
-          <a:solidFill>
-            <a:schemeClr val="lt1">
-              <a:hueOff val="0"/>
-              <a:satOff val="0"/>
-              <a:lumOff val="0"/>
-              <a:alphaOff val="0"/>
-            </a:schemeClr>
-          </a:solidFill>
-          <a:prstDash val="solid"/>
-          <a:miter lim="800000"/>
-        </a:ln>
-        <a:effectLst/>
-      </dsp:spPr>
-      <dsp:style>
-        <a:lnRef idx="2">
-          <a:scrgbClr r="0" g="0" b="0"/>
-        </a:lnRef>
-        <a:fillRef idx="1">
-          <a:scrgbClr r="0" g="0" b="0"/>
-        </a:fillRef>
-        <a:effectRef idx="0">
-          <a:scrgbClr r="0" g="0" b="0"/>
-        </a:effectRef>
-        <a:fontRef idx="minor">
-          <a:schemeClr val="lt1"/>
-        </a:fontRef>
-      </dsp:style>
-      <dsp:txBody>
-        <a:bodyPr spcFirstLastPara="0" vert="horz" wrap="square" lIns="80010" tIns="80010" rIns="80010" bIns="80010" numCol="1" spcCol="1270" anchor="ctr" anchorCtr="0">
-          <a:noAutofit/>
-        </a:bodyPr>
-        <a:lstStyle/>
-        <a:p>
-          <a:pPr marL="0" lvl="0" indent="0" algn="ctr" defTabSz="933450">
-            <a:lnSpc>
-              <a:spcPct val="90000"/>
-            </a:lnSpc>
-            <a:spcBef>
-              <a:spcPct val="0"/>
-            </a:spcBef>
-            <a:spcAft>
-              <a:spcPct val="35000"/>
-            </a:spcAft>
-            <a:buNone/>
-          </a:pPr>
-          <a:r>
-            <a:rPr lang="en-CA" sz="2100" kern="1200"/>
-            <a:t>awesome</a:t>
-          </a:r>
-        </a:p>
-      </dsp:txBody>
-      <dsp:txXfrm rot="-5400000">
-        <a:off x="3909687" y="3722953"/>
-        <a:ext cx="1202866" cy="1382606"/>
-      </dsp:txXfrm>
-    </dsp:sp>
-    <dsp:sp modelId="{73ED2255-97BA-495F-9E0D-B5BC447B635D}">
-      <dsp:nvSpPr>
-        <dsp:cNvPr id="0" name=""/>
-        <dsp:cNvSpPr/>
-      </dsp:nvSpPr>
-      <dsp:spPr>
-        <a:xfrm>
-          <a:off x="5437901" y="3811668"/>
-          <a:ext cx="2241629" cy="1205177"/>
-        </a:xfrm>
-        <a:prstGeom prst="rect">
-          <a:avLst/>
-        </a:prstGeom>
-        <a:noFill/>
-        <a:ln>
-          <a:noFill/>
-        </a:ln>
-        <a:effectLst/>
-      </dsp:spPr>
-      <dsp:style>
-        <a:lnRef idx="0">
-          <a:scrgbClr r="0" g="0" b="0"/>
-        </a:lnRef>
-        <a:fillRef idx="0">
-          <a:scrgbClr r="0" g="0" b="0"/>
-        </a:fillRef>
-        <a:effectRef idx="0">
-          <a:scrgbClr r="0" g="0" b="0"/>
-        </a:effectRef>
-        <a:fontRef idx="minor"/>
-      </dsp:style>
-      <dsp:txBody>
-        <a:bodyPr spcFirstLastPara="0" vert="horz" wrap="square" lIns="80010" tIns="80010" rIns="80010" bIns="80010" numCol="1" spcCol="1270" anchor="ctr" anchorCtr="0">
-          <a:noAutofit/>
-        </a:bodyPr>
-        <a:lstStyle/>
-        <a:p>
-          <a:pPr marL="0" lvl="0" indent="0" algn="l" defTabSz="933450">
-            <a:lnSpc>
-              <a:spcPct val="90000"/>
-            </a:lnSpc>
-            <a:spcBef>
-              <a:spcPct val="0"/>
-            </a:spcBef>
-            <a:spcAft>
-              <a:spcPct val="35000"/>
-            </a:spcAft>
-            <a:buNone/>
-          </a:pPr>
-          <a:endParaRPr lang="en-CA" sz="2100" kern="1200"/>
-        </a:p>
-      </dsp:txBody>
-      <dsp:txXfrm>
-        <a:off x="5437901" y="3811668"/>
-        <a:ext cx="2241629" cy="1205177"/>
-      </dsp:txXfrm>
-    </dsp:sp>
-    <dsp:sp modelId="{5C447899-5C47-44D2-B5A2-A9618FB7A98E}">
-      <dsp:nvSpPr>
-        <dsp:cNvPr id="0" name=""/>
-        <dsp:cNvSpPr/>
-      </dsp:nvSpPr>
-      <dsp:spPr>
-        <a:xfrm rot="5400000">
-          <a:off x="1619499" y="3540503"/>
-          <a:ext cx="2008628" cy="1747506"/>
-        </a:xfrm>
-        <a:prstGeom prst="hexagon">
-          <a:avLst>
-            <a:gd name="adj" fmla="val 25000"/>
-            <a:gd name="vf" fmla="val 115470"/>
-          </a:avLst>
-        </a:prstGeom>
-        <a:solidFill>
-          <a:srgbClr val="FF0000"/>
-        </a:solidFill>
-        <a:ln w="12700" cap="flat" cmpd="sng" algn="ctr">
-          <a:solidFill>
-            <a:schemeClr val="lt1">
-              <a:hueOff val="0"/>
-              <a:satOff val="0"/>
-              <a:lumOff val="0"/>
-              <a:alphaOff val="0"/>
-            </a:schemeClr>
-          </a:solidFill>
-          <a:prstDash val="solid"/>
-          <a:miter lim="800000"/>
-        </a:ln>
-        <a:effectLst/>
-      </dsp:spPr>
-      <dsp:style>
-        <a:lnRef idx="2">
-          <a:scrgbClr r="0" g="0" b="0"/>
-        </a:lnRef>
-        <a:fillRef idx="1">
-          <a:scrgbClr r="0" g="0" b="0"/>
-        </a:fillRef>
-        <a:effectRef idx="0">
-          <a:scrgbClr r="0" g="0" b="0"/>
-        </a:effectRef>
-        <a:fontRef idx="minor">
-          <a:schemeClr val="lt1"/>
-        </a:fontRef>
-      </dsp:style>
-      <dsp:txBody>
-        <a:bodyPr spcFirstLastPara="0" vert="horz" wrap="square" lIns="0" tIns="0" rIns="0" bIns="0" numCol="1" spcCol="1270" anchor="ctr" anchorCtr="0">
-          <a:noAutofit/>
-        </a:bodyPr>
-        <a:lstStyle/>
-        <a:p>
-          <a:pPr marL="0" lvl="0" indent="0" algn="ctr" defTabSz="1600200">
-            <a:lnSpc>
-              <a:spcPct val="90000"/>
-            </a:lnSpc>
-            <a:spcBef>
-              <a:spcPct val="0"/>
-            </a:spcBef>
-            <a:spcAft>
-              <a:spcPct val="35000"/>
-            </a:spcAft>
-            <a:buNone/>
-          </a:pPr>
-          <a:endParaRPr lang="en-CA" sz="3600" kern="1200"/>
-        </a:p>
-      </dsp:txBody>
-      <dsp:txXfrm rot="-5400000">
-        <a:off x="2022380" y="3722953"/>
-        <a:ext cx="1202866" cy="1382606"/>
-      </dsp:txXfrm>
-    </dsp:sp>
-  </dsp:spTree>
-</dsp:drawing>
-</file>
-
-<file path=ppt/diagrams/layout1.xml><?xml version="1.0" encoding="utf-8"?>
-<dgm:layoutDef xmlns:dgm="http://schemas.openxmlformats.org/drawingml/2006/diagram" xmlns:a="http://schemas.openxmlformats.org/drawingml/2006/main" uniqueId="urn:microsoft.com/office/officeart/2008/layout/AlternatingHexagons">
-  <dgm:title val=""/>
-  <dgm:desc val=""/>
-  <dgm:catLst>
-    <dgm:cat type="list" pri="1500"/>
-  </dgm:catLst>
-  <dgm:sampData>
-    <dgm:dataModel>
-      <dgm:ptLst>
-        <dgm:pt modelId="0" type="doc"/>
-        <dgm:pt modelId="10">
-          <dgm:prSet phldr="1"/>
-        </dgm:pt>
-        <dgm:pt modelId="11">
-          <dgm:prSet phldr="1"/>
-        </dgm:pt>
-        <dgm:pt modelId="20">
-          <dgm:prSet phldr="1"/>
-        </dgm:pt>
-        <dgm:pt modelId="21">
-          <dgm:prSet phldr="1"/>
-        </dgm:pt>
-        <dgm:pt modelId="30">
-          <dgm:prSet phldr="1"/>
-        </dgm:pt>
-        <dgm:pt modelId="31">
-          <dgm:prSet phldr="1"/>
-        </dgm:pt>
-      </dgm:ptLst>
-      <dgm:cxnLst>
-        <dgm:cxn modelId="40" srcId="0" destId="10" srcOrd="0" destOrd="0"/>
-        <dgm:cxn modelId="12" srcId="10" destId="11" srcOrd="0" destOrd="0"/>
-        <dgm:cxn modelId="50" srcId="0" destId="20" srcOrd="1" destOrd="0"/>
-        <dgm:cxn modelId="22" srcId="20" destId="21" srcOrd="0" destOrd="0"/>
-        <dgm:cxn modelId="60" srcId="0" destId="30" srcOrd="1" destOrd="0"/>
-        <dgm:cxn modelId="32" srcId="30" destId="31" srcOrd="0" destOrd="0"/>
-      </dgm:cxnLst>
-      <dgm:bg/>
-      <dgm:whole/>
-    </dgm:dataModel>
-  </dgm:sampData>
-  <dgm:styleData>
-    <dgm:dataModel>
-      <dgm:ptLst>
-        <dgm:pt modelId="0" type="doc"/>
-        <dgm:pt modelId="10">
-          <dgm:prSet phldr="1"/>
-        </dgm:pt>
-        <dgm:pt modelId="20">
-          <dgm:prSet phldr="1"/>
-        </dgm:pt>
-      </dgm:ptLst>
-      <dgm:cxnLst>
-        <dgm:cxn modelId="60" srcId="0" destId="10" srcOrd="0" destOrd="0"/>
-        <dgm:cxn modelId="70" srcId="0" destId="20" srcOrd="1" destOrd="0"/>
-      </dgm:cxnLst>
-      <dgm:bg/>
-      <dgm:whole/>
-    </dgm:dataModel>
-  </dgm:styleData>
-  <dgm:clrData>
-    <dgm:dataModel>
-      <dgm:ptLst>
-        <dgm:pt modelId="0" type="doc"/>
-        <dgm:pt modelId="10">
-          <dgm:prSet phldr="1"/>
-        </dgm:pt>
-        <dgm:pt modelId="20">
-          <dgm:prSet phldr="1"/>
-        </dgm:pt>
-        <dgm:pt modelId="30">
-          <dgm:prSet phldr="1"/>
-        </dgm:pt>
-        <dgm:pt modelId="40">
-          <dgm:prSet phldr="1"/>
-        </dgm:pt>
-      </dgm:ptLst>
-      <dgm:cxnLst>
-        <dgm:cxn modelId="60" srcId="0" destId="10" srcOrd="0" destOrd="0"/>
-        <dgm:cxn modelId="70" srcId="0" destId="20" srcOrd="1" destOrd="0"/>
-        <dgm:cxn modelId="80" srcId="0" destId="30" srcOrd="2" destOrd="0"/>
-        <dgm:cxn modelId="90" srcId="0" destId="40" srcOrd="3" destOrd="0"/>
-      </dgm:cxnLst>
-      <dgm:bg/>
-      <dgm:whole/>
-    </dgm:dataModel>
-  </dgm:clrData>
-  <dgm:layoutNode name="Name0">
-    <dgm:varLst>
-      <dgm:chMax/>
-      <dgm:chPref/>
-      <dgm:dir/>
-      <dgm:animLvl val="lvl"/>
-    </dgm:varLst>
-    <dgm:alg type="lin">
-      <dgm:param type="linDir" val="fromT"/>
-    </dgm:alg>
-    <dgm:shape xmlns:r="http://schemas.openxmlformats.org/officeDocument/2006/relationships" r:blip="">
-      <dgm:adjLst/>
-    </dgm:shape>
-    <dgm:constrLst>
-      <dgm:constr type="primFontSz" for="des" forName="Parent1" val="65"/>
-      <dgm:constr type="primFontSz" for="des" forName="Childtext1" refType="primFontSz" refFor="des" refForName="Parent1" op="lte"/>
-      <dgm:constr type="w" for="ch" forName="composite" refType="w"/>
-      <dgm:constr type="h" for="ch" forName="composite" refType="h"/>
-      <dgm:constr type="h" for="ch" forName="spaceBetweenRectangles" refType="w" refFor="ch" refForName="composite" fact="-0.042"/>
-      <dgm:constr type="sp" refType="h" refFor="ch" refForName="composite" op="equ" fact="0.1"/>
-    </dgm:constrLst>
-    <dgm:forEach name="nodesForEach" axis="ch" ptType="node">
-      <dgm:layoutNode name="composite">
-        <dgm:alg type="composite">
-          <dgm:param type="ar" val="3.6"/>
-        </dgm:alg>
-        <dgm:shape xmlns:r="http://schemas.openxmlformats.org/officeDocument/2006/relationships" r:blip="">
-          <dgm:adjLst/>
-        </dgm:shape>
-        <dgm:choose name="Name1">
-          <dgm:if name="Name2" func="var" arg="dir" op="equ" val="norm">
-            <dgm:choose name="Name3">
-              <dgm:if name="Name4" axis="self" ptType="node" func="posOdd" op="equ" val="1">
-                <dgm:constrLst>
-                  <dgm:constr type="l" for="ch" forName="Accent1" refType="w" fact="0.18"/>
-                  <dgm:constr type="t" for="ch" forName="Accent1" refType="h" fact="0"/>
-                  <dgm:constr type="h" for="ch" forName="Accent1" refType="h"/>
-                  <dgm:constr type="w" for="ch" forName="Accent1" refType="h" fact="0.87"/>
-                  <dgm:constr type="l" for="ch" forName="Accent1Text" refType="w" fact="0.18"/>
-                  <dgm:constr type="t" for="ch" forName="Accent1Text" refType="h" fact="0"/>
-                  <dgm:constr type="h" for="ch" forName="Accent1Text" refType="h"/>
-                  <dgm:constr type="w" for="ch" forName="Accent1Text" refType="h" fact="0.87"/>
-                  <dgm:constr type="l" for="ch" forName="Parent1" refType="w" fact="0.441"/>
-                  <dgm:constr type="t" for="ch" forName="Parent1" refType="h" fact="0"/>
-                  <dgm:constr type="h" for="ch" forName="Parent1" refType="h"/>
-                  <dgm:constr type="w" for="ch" forName="Parent1" refType="h" fact="0.87"/>
-                  <dgm:constr type="l" for="ch" forName="Childtext1" refType="w" fact="0.69"/>
-                  <dgm:constr type="t" for="ch" forName="Childtext1" refType="h" fact="0.2"/>
-                  <dgm:constr type="w" for="ch" forName="Childtext1" refType="w" fact="0.31"/>
-                  <dgm:constr type="h" for="ch" forName="Childtext1" refType="h" fact="0.6"/>
-                  <dgm:constr type="l" for="ch" forName="BalanceSpacing" refType="w" fact="0"/>
-                  <dgm:constr type="t" for="ch" forName="BalanceSpacing" refType="h" fact="0"/>
-                  <dgm:constr type="w" for="ch" forName="BalanceSpacing" refType="w"/>
-                  <dgm:constr type="h" for="ch" forName="BalanceSpacing" refType="h" fact="0.1"/>
-                  <dgm:constr type="l" for="ch" forName="BalanceSpacing1" refType="w" fact="0.69"/>
-                  <dgm:constr type="t" for="ch" forName="BalanceSpacing1" refType="h" fact="0.2"/>
-                  <dgm:constr type="w" for="ch" forName="BalanceSpacing1" refType="w" fact="0.31"/>
-                  <dgm:constr type="h" for="ch" forName="BalanceSpacing1" refType="h" fact="0.6"/>
-                </dgm:constrLst>
-              </dgm:if>
-              <dgm:else name="Name5">
-                <dgm:constrLst>
-                  <dgm:constr type="l" for="ch" forName="Accent1" refType="w" fact="0.571"/>
-                  <dgm:constr type="t" for="ch" forName="Accent1" refType="h" fact="0"/>
-                  <dgm:constr type="h" for="ch" forName="Accent1" refType="h"/>
-                  <dgm:constr type="w" for="ch" forName="Accent1" refType="h" fact="0.87"/>
-                  <dgm:constr type="l" for="ch" forName="Accent1Text" refType="w" fact="0.571"/>
-                  <dgm:constr type="t" for="ch" forName="Accent1Text" refType="h" fact="0"/>
-                  <dgm:constr type="h" for="ch" forName="Accent1Text" refType="h"/>
-                  <dgm:constr type="w" for="ch" forName="Accent1Text" refType="h" fact="0.87"/>
-                  <dgm:constr type="l" for="ch" forName="Parent1" refType="w" fact="0.31"/>
-                  <dgm:constr type="t" for="ch" forName="Parent1" refType="h" fact="0"/>
-                  <dgm:constr type="h" for="ch" forName="Parent1" refType="h"/>
-                  <dgm:constr type="w" for="ch" forName="Parent1" refType="h" fact="0.87"/>
-                  <dgm:constr type="l" for="ch" forName="Childtext1" refType="w" fact="0"/>
-                  <dgm:constr type="t" for="ch" forName="Childtext1" refType="h" fact="0.2"/>
-                  <dgm:constr type="w" for="ch" forName="Childtext1" refType="w" fact="0.3"/>
-                  <dgm:constr type="h" for="ch" forName="Childtext1" refType="h" fact="0.6"/>
-                  <dgm:constr type="l" for="ch" forName="BalanceSpacing" refType="w" fact="0.82"/>
-                  <dgm:constr type="t" for="ch" forName="BalanceSpacing" refType="h" fact="0"/>
-                  <dgm:constr type="w" for="ch" forName="BalanceSpacing" refType="w" fact="0.18"/>
-                  <dgm:constr type="h" for="ch" forName="BalanceSpacing" refType="h"/>
-                  <dgm:constr type="l" for="ch" forName="BalanceSpacing1" refType="w" fact="0"/>
-                  <dgm:constr type="t" for="ch" forName="BalanceSpacing1" refType="h" fact="0.2"/>
-                  <dgm:constr type="w" for="ch" forName="BalanceSpacing1" refType="w" fact="0.3"/>
-                  <dgm:constr type="h" for="ch" forName="BalanceSpacing1" refType="h" fact="0.6"/>
-                </dgm:constrLst>
-              </dgm:else>
-            </dgm:choose>
-          </dgm:if>
-          <dgm:else name="Name6">
-            <dgm:choose name="Name7">
-              <dgm:if name="Name8" axis="self" ptType="node" func="posOdd" op="equ" val="1">
-                <dgm:constrLst>
-                  <dgm:constr type="l" for="ch" forName="Accent1" refType="w" fact="0.571"/>
-                  <dgm:constr type="t" for="ch" forName="Accent1" refType="h" fact="0"/>
-                  <dgm:constr type="h" for="ch" forName="Accent1" refType="h"/>
-                  <dgm:constr type="w" for="ch" forName="Accent1" refType="h" fact="0.87"/>
-                  <dgm:constr type="l" for="ch" forName="Accent1Text" refType="w" fact="0.571"/>
-                  <dgm:constr type="t" for="ch" forName="Accent1Text" refType="h" fact="0"/>
-                  <dgm:constr type="h" for="ch" forName="Accent1Text" refType="h"/>
-                  <dgm:constr type="w" for="ch" forName="Accent1Text" refType="h" fact="0.87"/>
-                  <dgm:constr type="l" for="ch" forName="Parent1" refType="w" fact="0.31"/>
-                  <dgm:constr type="t" for="ch" forName="Parent1" refType="h" fact="0"/>
-                  <dgm:constr type="h" for="ch" forName="Parent1" refType="h"/>
-                  <dgm:constr type="w" for="ch" forName="Parent1" refType="h" fact="0.87"/>
-                  <dgm:constr type="l" for="ch" forName="Childtext1" refType="w" fact="0"/>
-                  <dgm:constr type="t" for="ch" forName="Childtext1" refType="h" fact="0.2"/>
-                  <dgm:constr type="w" for="ch" forName="Childtext1" refType="w" fact="0.3"/>
-                  <dgm:constr type="h" for="ch" forName="Childtext1" refType="h" fact="0.6"/>
-                  <dgm:constr type="l" for="ch" forName="BalanceSpacing" refType="w" fact="0.82"/>
-                  <dgm:constr type="t" for="ch" forName="BalanceSpacing" refType="h" fact="0"/>
-                  <dgm:constr type="w" for="ch" forName="BalanceSpacing" refType="w" fact="0.18"/>
-                  <dgm:constr type="h" for="ch" forName="BalanceSpacing" refType="h"/>
-                </dgm:constrLst>
-              </dgm:if>
-              <dgm:else name="Name9">
-                <dgm:constrLst>
-                  <dgm:constr type="l" for="ch" forName="Accent1" refType="w" fact="0.18"/>
-                  <dgm:constr type="t" for="ch" forName="Accent1" refType="h" fact="0"/>
-                  <dgm:constr type="h" for="ch" forName="Accent1" refType="h"/>
-                  <dgm:constr type="w" for="ch" forName="Accent1" refType="h" fact="0.87"/>
-                  <dgm:constr type="l" for="ch" forName="Accent1Text" refType="w" fact="0.18"/>
-                  <dgm:constr type="t" for="ch" forName="Accent1Text" refType="h" fact="0"/>
-                  <dgm:constr type="h" for="ch" forName="Accent1Text" refType="h"/>
-                  <dgm:constr type="w" for="ch" forName="Accent1Text" refType="h" fact="0.87"/>
-                  <dgm:constr type="l" for="ch" forName="Parent1" refType="w" fact="0.441"/>
-                  <dgm:constr type="t" for="ch" forName="Parent1" refType="h" fact="0"/>
-                  <dgm:constr type="h" for="ch" forName="Parent1" refType="h"/>
-                  <dgm:constr type="w" for="ch" forName="Parent1" refType="h" fact="0.87"/>
-                  <dgm:constr type="l" for="ch" forName="Childtext1" refType="w" fact="0.69"/>
-                  <dgm:constr type="t" for="ch" forName="Childtext1" refType="h" fact="0.2"/>
-                  <dgm:constr type="w" for="ch" forName="Childtext1" refType="w" fact="0.31"/>
-                  <dgm:constr type="h" for="ch" forName="Childtext1" refType="h" fact="0.6"/>
-                  <dgm:constr type="l" for="ch" forName="BalanceSpacing" refType="w" fact="0"/>
-                  <dgm:constr type="t" for="ch" forName="BalanceSpacing" refType="h" fact="0"/>
-                  <dgm:constr type="w" for="ch" forName="BalanceSpacing" refType="w" fact="0.18"/>
-                  <dgm:constr type="h" for="ch" forName="BalanceSpacing" refType="h"/>
-                </dgm:constrLst>
-              </dgm:else>
-            </dgm:choose>
-          </dgm:else>
-        </dgm:choose>
-        <dgm:layoutNode name="Parent1" styleLbl="node1">
-          <dgm:varLst>
-            <dgm:chMax val="1"/>
-            <dgm:chPref val="1"/>
-            <dgm:bulletEnabled val="1"/>
-          </dgm:varLst>
-          <dgm:alg type="tx"/>
-          <dgm:shape xmlns:r="http://schemas.openxmlformats.org/officeDocument/2006/relationships" rot="90" type="hexagon" r:blip="">
-            <dgm:adjLst>
-              <dgm:adj idx="1" val="0.25"/>
-              <dgm:adj idx="2" val="1.1547"/>
-            </dgm:adjLst>
-          </dgm:shape>
-          <dgm:presOf axis="self" ptType="node"/>
-          <dgm:constrLst>
-            <dgm:constr type="lMarg" refType="primFontSz" fact="0.3"/>
-            <dgm:constr type="rMarg" refType="primFontSz" fact="0.3"/>
-            <dgm:constr type="tMarg" refType="primFontSz" fact="0.3"/>
-            <dgm:constr type="bMarg" refType="primFontSz" fact="0.3"/>
-          </dgm:constrLst>
-          <dgm:ruleLst>
-            <dgm:rule type="primFontSz" val="5" fact="NaN" max="NaN"/>
-          </dgm:ruleLst>
-        </dgm:layoutNode>
-        <dgm:layoutNode name="Childtext1" styleLbl="revTx">
-          <dgm:varLst>
-            <dgm:chMax val="0"/>
-            <dgm:chPref val="0"/>
-            <dgm:bulletEnabled val="1"/>
-          </dgm:varLst>
-          <dgm:choose name="Name10">
-            <dgm:if name="Name11" func="var" arg="dir" op="equ" val="norm">
-              <dgm:choose name="Name12">
-                <dgm:if name="Name13" axis="self" ptType="node" func="posOdd" op="equ" val="1">
-                  <dgm:alg type="tx">
-                    <dgm:param type="parTxLTRAlign" val="l"/>
-                  </dgm:alg>
-                </dgm:if>
-                <dgm:else name="Name14">
-                  <dgm:alg type="tx">
-                    <dgm:param type="parTxLTRAlign" val="r"/>
-                  </dgm:alg>
-                </dgm:else>
-              </dgm:choose>
-            </dgm:if>
-            <dgm:else name="Name15">
-              <dgm:choose name="Name16">
-                <dgm:if name="Name17" axis="self" ptType="node" func="posOdd" op="equ" val="1">
-                  <dgm:alg type="tx">
-                    <dgm:param type="parTxLTRAlign" val="r"/>
-                  </dgm:alg>
-                </dgm:if>
-                <dgm:else name="Name18">
-                  <dgm:alg type="tx">
-                    <dgm:param type="parTxLTRAlign" val="l"/>
-                  </dgm:alg>
-                </dgm:else>
-              </dgm:choose>
-            </dgm:else>
-          </dgm:choose>
-          <dgm:shape xmlns:r="http://schemas.openxmlformats.org/officeDocument/2006/relationships" type="rect" r:blip="">
-            <dgm:adjLst/>
-          </dgm:shape>
-          <dgm:presOf axis="des" ptType="node"/>
-          <dgm:constrLst>
-            <dgm:constr type="lMarg" refType="primFontSz" fact="0.3"/>
-            <dgm:constr type="rMarg" refType="primFontSz" fact="0.3"/>
-            <dgm:constr type="tMarg" refType="primFontSz" fact="0.3"/>
-            <dgm:constr type="bMarg" refType="primFontSz" fact="0.3"/>
-          </dgm:constrLst>
-          <dgm:ruleLst>
-            <dgm:rule type="primFontSz" val="5" fact="NaN" max="NaN"/>
-          </dgm:ruleLst>
-        </dgm:layoutNode>
-        <dgm:layoutNode name="BalanceSpacing">
-          <dgm:alg type="sp"/>
-          <dgm:shape xmlns:r="http://schemas.openxmlformats.org/officeDocument/2006/relationships" r:blip="">
-            <dgm:adjLst/>
-          </dgm:shape>
-        </dgm:layoutNode>
-        <dgm:layoutNode name="BalanceSpacing1">
-          <dgm:alg type="sp"/>
-          <dgm:shape xmlns:r="http://schemas.openxmlformats.org/officeDocument/2006/relationships" r:blip="">
-            <dgm:adjLst/>
-          </dgm:shape>
-        </dgm:layoutNode>
-        <dgm:forEach name="Name19" axis="followSib" ptType="sibTrans" hideLastTrans="0" cnt="1">
-          <dgm:layoutNode name="Accent1Text" styleLbl="node1">
-            <dgm:alg type="tx"/>
-            <dgm:shape xmlns:r="http://schemas.openxmlformats.org/officeDocument/2006/relationships" rot="90" type="hexagon" r:blip="">
-              <dgm:adjLst>
-                <dgm:adj idx="1" val="0.25"/>
-                <dgm:adj idx="2" val="1.1547"/>
-              </dgm:adjLst>
-            </dgm:shape>
-            <dgm:presOf axis="self" ptType="sibTrans"/>
-            <dgm:constrLst>
-              <dgm:constr type="lMarg"/>
-              <dgm:constr type="rMarg"/>
-              <dgm:constr type="tMarg"/>
-              <dgm:constr type="bMarg"/>
-            </dgm:constrLst>
-            <dgm:ruleLst>
-              <dgm:rule type="primFontSz" val="5" fact="NaN" max="NaN"/>
-            </dgm:ruleLst>
-          </dgm:layoutNode>
-        </dgm:forEach>
-      </dgm:layoutNode>
-      <dgm:forEach name="Name20" axis="followSib" ptType="sibTrans" cnt="1">
-        <dgm:layoutNode name="spaceBetweenRectangles">
-          <dgm:alg type="sp"/>
-          <dgm:shape xmlns:r="http://schemas.openxmlformats.org/officeDocument/2006/relationships" r:blip="">
-            <dgm:adjLst/>
-          </dgm:shape>
-          <dgm:presOf/>
-          <dgm:constrLst/>
-          <dgm:ruleLst/>
-        </dgm:layoutNode>
-      </dgm:forEach>
-    </dgm:forEach>
-  </dgm:layoutNode>
-</dgm:layoutDef>
-</file>
-
-<file path=ppt/diagrams/quickStyle1.xml><?xml version="1.0" encoding="utf-8"?>
-<dgm:styleDef xmlns:dgm="http://schemas.openxmlformats.org/drawingml/2006/diagram" xmlns:a="http://schemas.openxmlformats.org/drawingml/2006/main" uniqueId="urn:microsoft.com/office/officeart/2005/8/quickstyle/simple1">
-  <dgm:title val=""/>
-  <dgm:desc val=""/>
-  <dgm:catLst>
-    <dgm:cat type="simple" pri="10100"/>
-  </dgm:catLst>
-  <dgm:scene3d>
-    <a:camera prst="orthographicFront"/>
-    <a:lightRig rig="threePt" dir="t"/>
-  </dgm:scene3d>
-  <dgm:styleLbl name="node0">
-    <dgm:scene3d>
-      <a:camera prst="orthographicFront"/>
-      <a:lightRig rig="threePt" dir="t"/>
-    </dgm:scene3d>
-    <dgm:sp3d/>
-    <dgm:txPr/>
-    <dgm:style>
-      <a:lnRef idx="2">
-        <a:scrgbClr r="0" g="0" b="0"/>
-      </a:lnRef>
-      <a:fillRef idx="1">
-        <a:scrgbClr r="0" g="0" b="0"/>
-      </a:fillRef>
-      <a:effectRef idx="0">
-        <a:scrgbClr r="0" g="0" b="0"/>
-      </a:effectRef>
-      <a:fontRef idx="minor">
-        <a:schemeClr val="lt1"/>
-      </a:fontRef>
-    </dgm:style>
-  </dgm:styleLbl>
-  <dgm:styleLbl name="lnNode1">
-    <dgm:scene3d>
-      <a:camera prst="orthographicFront"/>
-      <a:lightRig rig="threePt" dir="t"/>
-    </dgm:scene3d>
-    <dgm:sp3d/>
-    <dgm:txPr/>
-    <dgm:style>
-      <a:lnRef idx="2">
-        <a:scrgbClr r="0" g="0" b="0"/>
-      </a:lnRef>
-      <a:fillRef idx="1">
-        <a:scrgbClr r="0" g="0" b="0"/>
-      </a:fillRef>
-      <a:effectRef idx="0">
-        <a:scrgbClr r="0" g="0" b="0"/>
-      </a:effectRef>
-      <a:fontRef idx="minor">
-        <a:schemeClr val="lt1"/>
-      </a:fontRef>
-    </dgm:style>
-  </dgm:styleLbl>
-  <dgm:styleLbl name="vennNode1">
-    <dgm:scene3d>
-      <a:camera prst="orthographicFront"/>
-      <a:lightRig rig="threePt" dir="t"/>
-    </dgm:scene3d>
-    <dgm:sp3d/>
-    <dgm:txPr/>
-    <dgm:style>
-      <a:lnRef idx="2">
-        <a:scrgbClr r="0" g="0" b="0"/>
-      </a:lnRef>
-      <a:fillRef idx="1">
-        <a:scrgbClr r="0" g="0" b="0"/>
-      </a:fillRef>
-      <a:effectRef idx="0">
-        <a:scrgbClr r="0" g="0" b="0"/>
-      </a:effectRef>
-      <a:fontRef idx="minor">
-        <a:schemeClr val="tx1"/>
-      </a:fontRef>
-    </dgm:style>
-  </dgm:styleLbl>
-  <dgm:styleLbl name="alignNode1">
-    <dgm:scene3d>
-      <a:camera prst="orthographicFront"/>
-      <a:lightRig rig="threePt" dir="t"/>
-    </dgm:scene3d>
-    <dgm:sp3d/>
-    <dgm:txPr/>
-    <dgm:style>
-      <a:lnRef idx="2">
-        <a:scrgbClr r="0" g="0" b="0"/>
-      </a:lnRef>
-      <a:fillRef idx="1">
-        <a:scrgbClr r="0" g="0" b="0"/>
-      </a:fillRef>
-      <a:effectRef idx="0">
-        <a:scrgbClr r="0" g="0" b="0"/>
-      </a:effectRef>
-      <a:fontRef idx="minor">
-        <a:schemeClr val="lt1"/>
-      </a:fontRef>
-    </dgm:style>
-  </dgm:styleLbl>
-  <dgm:styleLbl name="node1">
-    <dgm:scene3d>
-      <a:camera prst="orthographicFront"/>
-      <a:lightRig rig="threePt" dir="t"/>
-    </dgm:scene3d>
-    <dgm:sp3d/>
-    <dgm:txPr/>
-    <dgm:style>
-      <a:lnRef idx="2">
-        <a:scrgbClr r="0" g="0" b="0"/>
-      </a:lnRef>
-      <a:fillRef idx="1">
-        <a:scrgbClr r="0" g="0" b="0"/>
-      </a:fillRef>
-      <a:effectRef idx="0">
-        <a:scrgbClr r="0" g="0" b="0"/>
-      </a:effectRef>
-      <a:fontRef idx="minor">
-        <a:schemeClr val="lt1"/>
-      </a:fontRef>
-    </dgm:style>
-  </dgm:styleLbl>
-  <dgm:styleLbl name="node2">
-    <dgm:scene3d>
-      <a:camera prst="orthographicFront"/>
-      <a:lightRig rig="threePt" dir="t"/>
-    </dgm:scene3d>
-    <dgm:sp3d/>
-    <dgm:txPr/>
-    <dgm:style>
-      <a:lnRef idx="2">
-        <a:scrgbClr r="0" g="0" b="0"/>
-      </a:lnRef>
-      <a:fillRef idx="1">
-        <a:scrgbClr r="0" g="0" b="0"/>
-      </a:fillRef>
-      <a:effectRef idx="0">
-        <a:scrgbClr r="0" g="0" b="0"/>
-      </a:effectRef>
-      <a:fontRef idx="minor">
-        <a:schemeClr val="lt1"/>
-      </a:fontRef>
-    </dgm:style>
-  </dgm:styleLbl>
-  <dgm:styleLbl name="node3">
-    <dgm:scene3d>
-      <a:camera prst="orthographicFront"/>
-      <a:lightRig rig="threePt" dir="t"/>
-    </dgm:scene3d>
-    <dgm:sp3d/>
-    <dgm:txPr/>
-    <dgm:style>
-      <a:lnRef idx="2">
-        <a:scrgbClr r="0" g="0" b="0"/>
-      </a:lnRef>
-      <a:fillRef idx="1">
-        <a:scrgbClr r="0" g="0" b="0"/>
-      </a:fillRef>
-      <a:effectRef idx="0">
-        <a:scrgbClr r="0" g="0" b="0"/>
-      </a:effectRef>
-      <a:fontRef idx="minor">
-        <a:schemeClr val="lt1"/>
-      </a:fontRef>
-    </dgm:style>
-  </dgm:styleLbl>
-  <dgm:styleLbl name="node4">
-    <dgm:scene3d>
-      <a:camera prst="orthographicFront"/>
-      <a:lightRig rig="threePt" dir="t"/>
-    </dgm:scene3d>
-    <dgm:sp3d/>
-    <dgm:txPr/>
-    <dgm:style>
-      <a:lnRef idx="2">
-        <a:scrgbClr r="0" g="0" b="0"/>
-      </a:lnRef>
-      <a:fillRef idx="1">
-        <a:scrgbClr r="0" g="0" b="0"/>
-      </a:fillRef>
-      <a:effectRef idx="0">
-        <a:scrgbClr r="0" g="0" b="0"/>
-      </a:effectRef>
-      <a:fontRef idx="minor">
-        <a:schemeClr val="lt1"/>
-      </a:fontRef>
-    </dgm:style>
-  </dgm:styleLbl>
-  <dgm:styleLbl name="fgImgPlace1">
-    <dgm:scene3d>
-      <a:camera prst="orthographicFront"/>
-      <a:lightRig rig="threePt" dir="t"/>
-    </dgm:scene3d>
-    <dgm:sp3d/>
-    <dgm:txPr/>
-    <dgm:style>
-      <a:lnRef idx="2">
-        <a:scrgbClr r="0" g="0" b="0"/>
-      </a:lnRef>
-      <a:fillRef idx="1">
-        <a:scrgbClr r="0" g="0" b="0"/>
-      </a:fillRef>
-      <a:effectRef idx="0">
-        <a:scrgbClr r="0" g="0" b="0"/>
-      </a:effectRef>
-      <a:fontRef idx="minor"/>
-    </dgm:style>
-  </dgm:styleLbl>
-  <dgm:styleLbl name="alignImgPlace1">
-    <dgm:scene3d>
-      <a:camera prst="orthographicFront"/>
-      <a:lightRig rig="threePt" dir="t"/>
-    </dgm:scene3d>
-    <dgm:sp3d/>
-    <dgm:txPr/>
-    <dgm:style>
-      <a:lnRef idx="2">
-        <a:scrgbClr r="0" g="0" b="0"/>
-      </a:lnRef>
-      <a:fillRef idx="1">
-        <a:scrgbClr r="0" g="0" b="0"/>
-      </a:fillRef>
-      <a:effectRef idx="0">
-        <a:scrgbClr r="0" g="0" b="0"/>
-      </a:effectRef>
-      <a:fontRef idx="minor"/>
-    </dgm:style>
-  </dgm:styleLbl>
-  <dgm:styleLbl name="bgImgPlace1">
-    <dgm:scene3d>
-      <a:camera prst="orthographicFront"/>
-      <a:lightRig rig="threePt" dir="t"/>
-    </dgm:scene3d>
-    <dgm:sp3d/>
-    <dgm:txPr/>
-    <dgm:style>
-      <a:lnRef idx="2">
-        <a:scrgbClr r="0" g="0" b="0"/>
-      </a:lnRef>
-      <a:fillRef idx="1">
-        <a:scrgbClr r="0" g="0" b="0"/>
-      </a:fillRef>
-      <a:effectRef idx="0">
-        <a:scrgbClr r="0" g="0" b="0"/>
-      </a:effectRef>
-      <a:fontRef idx="minor"/>
-    </dgm:style>
-  </dgm:styleLbl>
-  <dgm:styleLbl name="sibTrans2D1">
-    <dgm:scene3d>
-      <a:camera prst="orthographicFront"/>
-      <a:lightRig rig="threePt" dir="t"/>
-    </dgm:scene3d>
-    <dgm:sp3d/>
-    <dgm:txPr/>
-    <dgm:style>
-      <a:lnRef idx="0">
-        <a:scrgbClr r="0" g="0" b="0"/>
-      </a:lnRef>
-      <a:fillRef idx="1">
-        <a:scrgbClr r="0" g="0" b="0"/>
-      </a:fillRef>
-      <a:effectRef idx="0">
-        <a:scrgbClr r="0" g="0" b="0"/>
-      </a:effectRef>
-      <a:fontRef idx="minor">
-        <a:schemeClr val="lt1"/>
-      </a:fontRef>
-    </dgm:style>
-  </dgm:styleLbl>
-  <dgm:styleLbl name="fgSibTrans2D1">
-    <dgm:scene3d>
-      <a:camera prst="orthographicFront"/>
-      <a:lightRig rig="threePt" dir="t"/>
-    </dgm:scene3d>
-    <dgm:sp3d/>
-    <dgm:txPr/>
-    <dgm:style>
-      <a:lnRef idx="0">
-        <a:scrgbClr r="0" g="0" b="0"/>
-      </a:lnRef>
-      <a:fillRef idx="1">
-        <a:scrgbClr r="0" g="0" b="0"/>
-      </a:fillRef>
-      <a:effectRef idx="0">
-        <a:scrgbClr r="0" g="0" b="0"/>
-      </a:effectRef>
-      <a:fontRef idx="minor">
-        <a:schemeClr val="lt1"/>
-      </a:fontRef>
-    </dgm:style>
-  </dgm:styleLbl>
-  <dgm:styleLbl name="bgSibTrans2D1">
-    <dgm:scene3d>
-      <a:camera prst="orthographicFront"/>
-      <a:lightRig rig="threePt" dir="t"/>
-    </dgm:scene3d>
-    <dgm:sp3d/>
-    <dgm:txPr/>
-    <dgm:style>
-      <a:lnRef idx="0">
-        <a:scrgbClr r="0" g="0" b="0"/>
-      </a:lnRef>
-      <a:fillRef idx="1">
-        <a:scrgbClr r="0" g="0" b="0"/>
-      </a:fillRef>
-      <a:effectRef idx="0">
-        <a:scrgbClr r="0" g="0" b="0"/>
-      </a:effectRef>
-      <a:fontRef idx="minor">
-        <a:schemeClr val="lt1"/>
-      </a:fontRef>
-    </dgm:style>
-  </dgm:styleLbl>
-  <dgm:styleLbl name="sibTrans1D1">
-    <dgm:scene3d>
-      <a:camera prst="orthographicFront"/>
-      <a:lightRig rig="threePt" dir="t"/>
-    </dgm:scene3d>
-    <dgm:sp3d/>
-    <dgm:txPr/>
-    <dgm:style>
-      <a:lnRef idx="1">
-        <a:scrgbClr r="0" g="0" b="0"/>
-      </a:lnRef>
-      <a:fillRef idx="0">
-        <a:scrgbClr r="0" g="0" b="0"/>
-      </a:fillRef>
-      <a:effectRef idx="0">
-        <a:scrgbClr r="0" g="0" b="0"/>
-      </a:effectRef>
-      <a:fontRef idx="minor"/>
-    </dgm:style>
-  </dgm:styleLbl>
-  <dgm:styleLbl name="callout">
-    <dgm:scene3d>
-      <a:camera prst="orthographicFront"/>
-      <a:lightRig rig="threePt" dir="t"/>
-    </dgm:scene3d>
-    <dgm:sp3d/>
-    <dgm:txPr/>
-    <dgm:style>
-      <a:lnRef idx="2">
-        <a:scrgbClr r="0" g="0" b="0"/>
-      </a:lnRef>
-      <a:fillRef idx="1">
-        <a:scrgbClr r="0" g="0" b="0"/>
-      </a:fillRef>
-      <a:effectRef idx="0">
-        <a:scrgbClr r="0" g="0" b="0"/>
-      </a:effectRef>
-      <a:fontRef idx="minor"/>
-    </dgm:style>
-  </dgm:styleLbl>
-  <dgm:styleLbl name="asst0">
-    <dgm:scene3d>
-      <a:camera prst="orthographicFront"/>
-      <a:lightRig rig="threePt" dir="t"/>
-    </dgm:scene3d>
-    <dgm:sp3d/>
-    <dgm:txPr/>
-    <dgm:style>
-      <a:lnRef idx="2">
-        <a:scrgbClr r="0" g="0" b="0"/>
-      </a:lnRef>
-      <a:fillRef idx="1">
-        <a:scrgbClr r="0" g="0" b="0"/>
-      </a:fillRef>
-      <a:effectRef idx="0">
-        <a:scrgbClr r="0" g="0" b="0"/>
-      </a:effectRef>
-      <a:fontRef idx="minor">
-        <a:schemeClr val="lt1"/>
-      </a:fontRef>
-    </dgm:style>
-  </dgm:styleLbl>
-  <dgm:styleLbl name="asst1">
-    <dgm:scene3d>
-      <a:camera prst="orthographicFront"/>
-      <a:lightRig rig="threePt" dir="t"/>
-    </dgm:scene3d>
-    <dgm:sp3d/>
-    <dgm:txPr/>
-    <dgm:style>
-      <a:lnRef idx="2">
-        <a:scrgbClr r="0" g="0" b="0"/>
-      </a:lnRef>
-      <a:fillRef idx="1">
-        <a:scrgbClr r="0" g="0" b="0"/>
-      </a:fillRef>
-      <a:effectRef idx="0">
-        <a:scrgbClr r="0" g="0" b="0"/>
-      </a:effectRef>
-      <a:fontRef idx="minor">
-        <a:schemeClr val="lt1"/>
-      </a:fontRef>
-    </dgm:style>
-  </dgm:styleLbl>
-  <dgm:styleLbl name="asst2">
-    <dgm:scene3d>
-      <a:camera prst="orthographicFront"/>
-      <a:lightRig rig="threePt" dir="t"/>
-    </dgm:scene3d>
-    <dgm:sp3d/>
-    <dgm:txPr/>
-    <dgm:style>
-      <a:lnRef idx="2">
-        <a:scrgbClr r="0" g="0" b="0"/>
-      </a:lnRef>
-      <a:fillRef idx="1">
-        <a:scrgbClr r="0" g="0" b="0"/>
-      </a:fillRef>
-      <a:effectRef idx="0">
-        <a:scrgbClr r="0" g="0" b="0"/>
-      </a:effectRef>
-      <a:fontRef idx="minor">
-        <a:schemeClr val="lt1"/>
-      </a:fontRef>
-    </dgm:style>
-  </dgm:styleLbl>
-  <dgm:styleLbl name="asst3">
-    <dgm:scene3d>
-      <a:camera prst="orthographicFront"/>
-      <a:lightRig rig="threePt" dir="t"/>
-    </dgm:scene3d>
-    <dgm:sp3d/>
-    <dgm:txPr/>
-    <dgm:style>
-      <a:lnRef idx="2">
-        <a:scrgbClr r="0" g="0" b="0"/>
-      </a:lnRef>
-      <a:fillRef idx="1">
-        <a:scrgbClr r="0" g="0" b="0"/>
-      </a:fillRef>
-      <a:effectRef idx="0">
-        <a:scrgbClr r="0" g="0" b="0"/>
-      </a:effectRef>
-      <a:fontRef idx="minor">
-        <a:schemeClr val="lt1"/>
-      </a:fontRef>
-    </dgm:style>
-  </dgm:styleLbl>
-  <dgm:styleLbl name="asst4">
-    <dgm:scene3d>
-      <a:camera prst="orthographicFront"/>
-      <a:lightRig rig="threePt" dir="t"/>
-    </dgm:scene3d>
-    <dgm:sp3d/>
-    <dgm:txPr/>
-    <dgm:style>
-      <a:lnRef idx="2">
-        <a:scrgbClr r="0" g="0" b="0"/>
-      </a:lnRef>
-      <a:fillRef idx="1">
-        <a:scrgbClr r="0" g="0" b="0"/>
-      </a:fillRef>
-      <a:effectRef idx="0">
-        <a:scrgbClr r="0" g="0" b="0"/>
-      </a:effectRef>
-      <a:fontRef idx="minor">
-        <a:schemeClr val="lt1"/>
-      </a:fontRef>
-    </dgm:style>
-  </dgm:styleLbl>
-  <dgm:styleLbl name="parChTrans2D1">
-    <dgm:scene3d>
-      <a:camera prst="orthographicFront"/>
-      <a:lightRig rig="threePt" dir="t"/>
-    </dgm:scene3d>
-    <dgm:sp3d/>
-    <dgm:txPr/>
-    <dgm:style>
-      <a:lnRef idx="2">
-        <a:scrgbClr r="0" g="0" b="0"/>
-      </a:lnRef>
-      <a:fillRef idx="1">
-        <a:scrgbClr r="0" g="0" b="0"/>
-      </a:fillRef>
-      <a:effectRef idx="0">
-        <a:scrgbClr r="0" g="0" b="0"/>
-      </a:effectRef>
-      <a:fontRef idx="minor">
-        <a:schemeClr val="lt1"/>
-      </a:fontRef>
-    </dgm:style>
-  </dgm:styleLbl>
-  <dgm:styleLbl name="parChTrans2D2">
-    <dgm:scene3d>
-      <a:camera prst="orthographicFront"/>
-      <a:lightRig rig="threePt" dir="t"/>
-    </dgm:scene3d>
-    <dgm:sp3d/>
-    <dgm:txPr/>
-    <dgm:style>
-      <a:lnRef idx="2">
-        <a:scrgbClr r="0" g="0" b="0"/>
-      </a:lnRef>
-      <a:fillRef idx="1">
-        <a:scrgbClr r="0" g="0" b="0"/>
-      </a:fillRef>
-      <a:effectRef idx="0">
-        <a:scrgbClr r="0" g="0" b="0"/>
-      </a:effectRef>
-      <a:fontRef idx="minor">
-        <a:schemeClr val="lt1"/>
-      </a:fontRef>
-    </dgm:style>
-  </dgm:styleLbl>
-  <dgm:styleLbl name="parChTrans2D3">
-    <dgm:scene3d>
-      <a:camera prst="orthographicFront"/>
-      <a:lightRig rig="threePt" dir="t"/>
-    </dgm:scene3d>
-    <dgm:sp3d/>
-    <dgm:txPr/>
-    <dgm:style>
-      <a:lnRef idx="2">
-        <a:scrgbClr r="0" g="0" b="0"/>
-      </a:lnRef>
-      <a:fillRef idx="1">
-        <a:scrgbClr r="0" g="0" b="0"/>
-      </a:fillRef>
-      <a:effectRef idx="0">
-        <a:scrgbClr r="0" g="0" b="0"/>
-      </a:effectRef>
-      <a:fontRef idx="minor">
-        <a:schemeClr val="lt1"/>
-      </a:fontRef>
-    </dgm:style>
-  </dgm:styleLbl>
-  <dgm:styleLbl name="parChTrans2D4">
-    <dgm:scene3d>
-      <a:camera prst="orthographicFront"/>
-      <a:lightRig rig="threePt" dir="t"/>
-    </dgm:scene3d>
-    <dgm:sp3d/>
-    <dgm:txPr/>
-    <dgm:style>
-      <a:lnRef idx="2">
-        <a:scrgbClr r="0" g="0" b="0"/>
-      </a:lnRef>
-      <a:fillRef idx="1">
-        <a:scrgbClr r="0" g="0" b="0"/>
-      </a:fillRef>
-      <a:effectRef idx="0">
-        <a:scrgbClr r="0" g="0" b="0"/>
-      </a:effectRef>
-      <a:fontRef idx="minor">
-        <a:schemeClr val="lt1"/>
-      </a:fontRef>
-    </dgm:style>
-  </dgm:styleLbl>
-  <dgm:styleLbl name="parChTrans1D1">
-    <dgm:scene3d>
-      <a:camera prst="orthographicFront"/>
-      <a:lightRig rig="threePt" dir="t"/>
-    </dgm:scene3d>
-    <dgm:sp3d/>
-    <dgm:txPr/>
-    <dgm:style>
-      <a:lnRef idx="2">
-        <a:scrgbClr r="0" g="0" b="0"/>
-      </a:lnRef>
-      <a:fillRef idx="0">
-        <a:scrgbClr r="0" g="0" b="0"/>
-      </a:fillRef>
-      <a:effectRef idx="0">
-        <a:scrgbClr r="0" g="0" b="0"/>
-      </a:effectRef>
-      <a:fontRef idx="minor"/>
-    </dgm:style>
-  </dgm:styleLbl>
-  <dgm:styleLbl name="parChTrans1D2">
-    <dgm:scene3d>
-      <a:camera prst="orthographicFront"/>
-      <a:lightRig rig="threePt" dir="t"/>
-    </dgm:scene3d>
-    <dgm:sp3d/>
-    <dgm:txPr/>
-    <dgm:style>
-      <a:lnRef idx="2">
-        <a:scrgbClr r="0" g="0" b="0"/>
-      </a:lnRef>
-      <a:fillRef idx="0">
-        <a:scrgbClr r="0" g="0" b="0"/>
-      </a:fillRef>
-      <a:effectRef idx="0">
-        <a:scrgbClr r="0" g="0" b="0"/>
-      </a:effectRef>
-      <a:fontRef idx="minor"/>
-    </dgm:style>
-  </dgm:styleLbl>
-  <dgm:styleLbl name="parChTrans1D3">
-    <dgm:scene3d>
-      <a:camera prst="orthographicFront"/>
-      <a:lightRig rig="threePt" dir="t"/>
-    </dgm:scene3d>
-    <dgm:sp3d/>
-    <dgm:txPr/>
-    <dgm:style>
-      <a:lnRef idx="2">
-        <a:scrgbClr r="0" g="0" b="0"/>
-      </a:lnRef>
-      <a:fillRef idx="0">
-        <a:scrgbClr r="0" g="0" b="0"/>
-      </a:fillRef>
-      <a:effectRef idx="0">
-        <a:scrgbClr r="0" g="0" b="0"/>
-      </a:effectRef>
-      <a:fontRef idx="minor"/>
-    </dgm:style>
-  </dgm:styleLbl>
-  <dgm:styleLbl name="parChTrans1D4">
-    <dgm:scene3d>
-      <a:camera prst="orthographicFront"/>
-      <a:lightRig rig="threePt" dir="t"/>
-    </dgm:scene3d>
-    <dgm:sp3d/>
-    <dgm:txPr/>
-    <dgm:style>
-      <a:lnRef idx="2">
-        <a:scrgbClr r="0" g="0" b="0"/>
-      </a:lnRef>
-      <a:fillRef idx="0">
-        <a:scrgbClr r="0" g="0" b="0"/>
-      </a:fillRef>
-      <a:effectRef idx="0">
-        <a:scrgbClr r="0" g="0" b="0"/>
-      </a:effectRef>
-      <a:fontRef idx="minor"/>
-    </dgm:style>
-  </dgm:styleLbl>
-  <dgm:styleLbl name="fgAcc1">
-    <dgm:scene3d>
-      <a:camera prst="orthographicFront"/>
-      <a:lightRig rig="threePt" dir="t"/>
-    </dgm:scene3d>
-    <dgm:sp3d/>
-    <dgm:txPr/>
-    <dgm:style>
-      <a:lnRef idx="2">
-        <a:scrgbClr r="0" g="0" b="0"/>
-      </a:lnRef>
-      <a:fillRef idx="1">
-        <a:scrgbClr r="0" g="0" b="0"/>
-      </a:fillRef>
-      <a:effectRef idx="0">
-        <a:scrgbClr r="0" g="0" b="0"/>
-      </a:effectRef>
-      <a:fontRef idx="minor"/>
-    </dgm:style>
-  </dgm:styleLbl>
-  <dgm:styleLbl name="conFgAcc1">
-    <dgm:scene3d>
-      <a:camera prst="orthographicFront"/>
-      <a:lightRig rig="threePt" dir="t"/>
-    </dgm:scene3d>
-    <dgm:sp3d/>
-    <dgm:txPr/>
-    <dgm:style>
-      <a:lnRef idx="2">
-        <a:scrgbClr r="0" g="0" b="0"/>
-      </a:lnRef>
-      <a:fillRef idx="1">
-        <a:scrgbClr r="0" g="0" b="0"/>
-      </a:fillRef>
-      <a:effectRef idx="0">
-        <a:scrgbClr r="0" g="0" b="0"/>
-      </a:effectRef>
-      <a:fontRef idx="minor"/>
-    </dgm:style>
-  </dgm:styleLbl>
-  <dgm:styleLbl name="alignAcc1">
-    <dgm:scene3d>
-      <a:camera prst="orthographicFront"/>
-      <a:lightRig rig="threePt" dir="t"/>
-    </dgm:scene3d>
-    <dgm:sp3d/>
-    <dgm:txPr/>
-    <dgm:style>
-      <a:lnRef idx="2">
-        <a:scrgbClr r="0" g="0" b="0"/>
-      </a:lnRef>
-      <a:fillRef idx="1">
-        <a:scrgbClr r="0" g="0" b="0"/>
-      </a:fillRef>
-      <a:effectRef idx="0">
-        <a:scrgbClr r="0" g="0" b="0"/>
-      </a:effectRef>
-      <a:fontRef idx="minor"/>
-    </dgm:style>
-  </dgm:styleLbl>
-  <dgm:styleLbl name="trAlignAcc1">
-    <dgm:scene3d>
-      <a:camera prst="orthographicFront"/>
-      <a:lightRig rig="threePt" dir="t"/>
-    </dgm:scene3d>
-    <dgm:sp3d/>
-    <dgm:txPr/>
-    <dgm:style>
-      <a:lnRef idx="1">
-        <a:scrgbClr r="0" g="0" b="0"/>
-      </a:lnRef>
-      <a:fillRef idx="1">
-        <a:scrgbClr r="0" g="0" b="0"/>
-      </a:fillRef>
-      <a:effectRef idx="0">
-        <a:scrgbClr r="0" g="0" b="0"/>
-      </a:effectRef>
-      <a:fontRef idx="minor"/>
-    </dgm:style>
-  </dgm:styleLbl>
-  <dgm:styleLbl name="bgAcc1">
-    <dgm:scene3d>
-      <a:camera prst="orthographicFront"/>
-      <a:lightRig rig="threePt" dir="t"/>
-    </dgm:scene3d>
-    <dgm:sp3d/>
-    <dgm:txPr/>
-    <dgm:style>
-      <a:lnRef idx="2">
-        <a:scrgbClr r="0" g="0" b="0"/>
-      </a:lnRef>
-      <a:fillRef idx="1">
-        <a:scrgbClr r="0" g="0" b="0"/>
-      </a:fillRef>
-      <a:effectRef idx="0">
-        <a:scrgbClr r="0" g="0" b="0"/>
-      </a:effectRef>
-      <a:fontRef idx="minor"/>
-    </dgm:style>
-  </dgm:styleLbl>
-  <dgm:styleLbl name="solidFgAcc1">
-    <dgm:scene3d>
-      <a:camera prst="orthographicFront"/>
-      <a:lightRig rig="threePt" dir="t"/>
-    </dgm:scene3d>
-    <dgm:sp3d/>
-    <dgm:txPr/>
-    <dgm:style>
-      <a:lnRef idx="2">
-        <a:scrgbClr r="0" g="0" b="0"/>
-      </a:lnRef>
-      <a:fillRef idx="1">
-        <a:scrgbClr r="0" g="0" b="0"/>
-      </a:fillRef>
-      <a:effectRef idx="0">
-        <a:scrgbClr r="0" g="0" b="0"/>
-      </a:effectRef>
-      <a:fontRef idx="minor"/>
-    </dgm:style>
-  </dgm:styleLbl>
-  <dgm:styleLbl name="solidAlignAcc1">
-    <dgm:scene3d>
-      <a:camera prst="orthographicFront"/>
-      <a:lightRig rig="threePt" dir="t"/>
-    </dgm:scene3d>
-    <dgm:sp3d/>
-    <dgm:txPr/>
-    <dgm:style>
-      <a:lnRef idx="2">
-        <a:scrgbClr r="0" g="0" b="0"/>
-      </a:lnRef>
-      <a:fillRef idx="1">
-        <a:scrgbClr r="0" g="0" b="0"/>
-      </a:fillRef>
-      <a:effectRef idx="0">
-        <a:scrgbClr r="0" g="0" b="0"/>
-      </a:effectRef>
-      <a:fontRef idx="minor"/>
-    </dgm:style>
-  </dgm:styleLbl>
-  <dgm:styleLbl name="solidBgAcc1">
-    <dgm:scene3d>
-      <a:camera prst="orthographicFront"/>
-      <a:lightRig rig="threePt" dir="t"/>
-    </dgm:scene3d>
-    <dgm:sp3d/>
-    <dgm:txPr/>
-    <dgm:style>
-      <a:lnRef idx="2">
-        <a:scrgbClr r="0" g="0" b="0"/>
-      </a:lnRef>
-      <a:fillRef idx="1">
-        <a:scrgbClr r="0" g="0" b="0"/>
-      </a:fillRef>
-      <a:effectRef idx="0">
-        <a:scrgbClr r="0" g="0" b="0"/>
-      </a:effectRef>
-      <a:fontRef idx="minor"/>
-    </dgm:style>
-  </dgm:styleLbl>
-  <dgm:styleLbl name="fgAccFollowNode1">
-    <dgm:scene3d>
-      <a:camera prst="orthographicFront"/>
-      <a:lightRig rig="threePt" dir="t"/>
-    </dgm:scene3d>
-    <dgm:sp3d/>
-    <dgm:txPr/>
-    <dgm:style>
-      <a:lnRef idx="2">
-        <a:scrgbClr r="0" g="0" b="0"/>
-      </a:lnRef>
-      <a:fillRef idx="1">
-        <a:scrgbClr r="0" g="0" b="0"/>
-      </a:fillRef>
-      <a:effectRef idx="0">
-        <a:scrgbClr r="0" g="0" b="0"/>
-      </a:effectRef>
-      <a:fontRef idx="minor"/>
-    </dgm:style>
-  </dgm:styleLbl>
-  <dgm:styleLbl name="alignAccFollowNode1">
-    <dgm:scene3d>
-      <a:camera prst="orthographicFront"/>
-      <a:lightRig rig="threePt" dir="t"/>
-    </dgm:scene3d>
-    <dgm:sp3d/>
-    <dgm:txPr/>
-    <dgm:style>
-      <a:lnRef idx="2">
-        <a:scrgbClr r="0" g="0" b="0"/>
-      </a:lnRef>
-      <a:fillRef idx="1">
-        <a:scrgbClr r="0" g="0" b="0"/>
-      </a:fillRef>
-      <a:effectRef idx="0">
-        <a:scrgbClr r="0" g="0" b="0"/>
-      </a:effectRef>
-      <a:fontRef idx="minor"/>
-    </dgm:style>
-  </dgm:styleLbl>
-  <dgm:styleLbl name="bgAccFollowNode1">
-    <dgm:scene3d>
-      <a:camera prst="orthographicFront"/>
-      <a:lightRig rig="threePt" dir="t"/>
-    </dgm:scene3d>
-    <dgm:sp3d/>
-    <dgm:txPr/>
-    <dgm:style>
-      <a:lnRef idx="2">
-        <a:scrgbClr r="0" g="0" b="0"/>
-      </a:lnRef>
-      <a:fillRef idx="1">
-        <a:scrgbClr r="0" g="0" b="0"/>
-      </a:fillRef>
-      <a:effectRef idx="0">
-        <a:scrgbClr r="0" g="0" b="0"/>
-      </a:effectRef>
-      <a:fontRef idx="minor"/>
-    </dgm:style>
-  </dgm:styleLbl>
-  <dgm:styleLbl name="fgAcc0">
-    <dgm:scene3d>
-      <a:camera prst="orthographicFront"/>
-      <a:lightRig rig="threePt" dir="t"/>
-    </dgm:scene3d>
-    <dgm:sp3d/>
-    <dgm:txPr/>
-    <dgm:style>
-      <a:lnRef idx="2">
-        <a:scrgbClr r="0" g="0" b="0"/>
-      </a:lnRef>
-      <a:fillRef idx="1">
-        <a:scrgbClr r="0" g="0" b="0"/>
-      </a:fillRef>
-      <a:effectRef idx="0">
-        <a:scrgbClr r="0" g="0" b="0"/>
-      </a:effectRef>
-      <a:fontRef idx="minor"/>
-    </dgm:style>
-  </dgm:styleLbl>
-  <dgm:styleLbl name="fgAcc2">
-    <dgm:scene3d>
-      <a:camera prst="orthographicFront"/>
-      <a:lightRig rig="threePt" dir="t"/>
-    </dgm:scene3d>
-    <dgm:sp3d/>
-    <dgm:txPr/>
-    <dgm:style>
-      <a:lnRef idx="2">
-        <a:scrgbClr r="0" g="0" b="0"/>
-      </a:lnRef>
-      <a:fillRef idx="1">
-        <a:scrgbClr r="0" g="0" b="0"/>
-      </a:fillRef>
-      <a:effectRef idx="0">
-        <a:scrgbClr r="0" g="0" b="0"/>
-      </a:effectRef>
-      <a:fontRef idx="minor"/>
-    </dgm:style>
-  </dgm:styleLbl>
-  <dgm:styleLbl name="fgAcc3">
-    <dgm:scene3d>
-      <a:camera prst="orthographicFront"/>
-      <a:lightRig rig="threePt" dir="t"/>
-    </dgm:scene3d>
-    <dgm:sp3d/>
-    <dgm:txPr/>
-    <dgm:style>
-      <a:lnRef idx="2">
-        <a:scrgbClr r="0" g="0" b="0"/>
-      </a:lnRef>
-      <a:fillRef idx="1">
-        <a:scrgbClr r="0" g="0" b="0"/>
-      </a:fillRef>
-      <a:effectRef idx="0">
-        <a:scrgbClr r="0" g="0" b="0"/>
-      </a:effectRef>
-      <a:fontRef idx="minor"/>
-    </dgm:style>
-  </dgm:styleLbl>
-  <dgm:styleLbl name="fgAcc4">
-    <dgm:scene3d>
-      <a:camera prst="orthographicFront"/>
-      <a:lightRig rig="threePt" dir="t"/>
-    </dgm:scene3d>
-    <dgm:sp3d/>
-    <dgm:txPr/>
-    <dgm:style>
-      <a:lnRef idx="2">
-        <a:scrgbClr r="0" g="0" b="0"/>
-      </a:lnRef>
-      <a:fillRef idx="1">
-        <a:scrgbClr r="0" g="0" b="0"/>
-      </a:fillRef>
-      <a:effectRef idx="0">
-        <a:scrgbClr r="0" g="0" b="0"/>
-      </a:effectRef>
-      <a:fontRef idx="minor"/>
-    </dgm:style>
-  </dgm:styleLbl>
-  <dgm:styleLbl name="bgShp">
-    <dgm:scene3d>
-      <a:camera prst="orthographicFront"/>
-      <a:lightRig rig="threePt" dir="t"/>
-    </dgm:scene3d>
-    <dgm:sp3d/>
-    <dgm:txPr/>
-    <dgm:style>
-      <a:lnRef idx="0">
-        <a:scrgbClr r="0" g="0" b="0"/>
-      </a:lnRef>
-      <a:fillRef idx="1">
-        <a:scrgbClr r="0" g="0" b="0"/>
-      </a:fillRef>
-      <a:effectRef idx="0">
-        <a:scrgbClr r="0" g="0" b="0"/>
-      </a:effectRef>
-      <a:fontRef idx="minor"/>
-    </dgm:style>
-  </dgm:styleLbl>
-  <dgm:styleLbl name="dkBgShp">
-    <dgm:scene3d>
-      <a:camera prst="orthographicFront"/>
-      <a:lightRig rig="threePt" dir="t"/>
-    </dgm:scene3d>
-    <dgm:sp3d/>
-    <dgm:txPr/>
-    <dgm:style>
-      <a:lnRef idx="0">
-        <a:scrgbClr r="0" g="0" b="0"/>
-      </a:lnRef>
-      <a:fillRef idx="1">
-        <a:scrgbClr r="0" g="0" b="0"/>
-      </a:fillRef>
-      <a:effectRef idx="0">
-        <a:scrgbClr r="0" g="0" b="0"/>
-      </a:effectRef>
-      <a:fontRef idx="minor"/>
-    </dgm:style>
-  </dgm:styleLbl>
-  <dgm:styleLbl name="trBgShp">
-    <dgm:scene3d>
-      <a:camera prst="orthographicFront"/>
-      <a:lightRig rig="threePt" dir="t"/>
-    </dgm:scene3d>
-    <dgm:sp3d/>
-    <dgm:txPr/>
-    <dgm:style>
-      <a:lnRef idx="0">
-        <a:scrgbClr r="0" g="0" b="0"/>
-      </a:lnRef>
-      <a:fillRef idx="1">
-        <a:scrgbClr r="0" g="0" b="0"/>
-      </a:fillRef>
-      <a:effectRef idx="0">
-        <a:scrgbClr r="0" g="0" b="0"/>
-      </a:effectRef>
-      <a:fontRef idx="minor"/>
-    </dgm:style>
-  </dgm:styleLbl>
-  <dgm:styleLbl name="fgShp">
-    <dgm:scene3d>
-      <a:camera prst="orthographicFront"/>
-      <a:lightRig rig="threePt" dir="t"/>
-    </dgm:scene3d>
-    <dgm:sp3d/>
-    <dgm:txPr/>
-    <dgm:style>
-      <a:lnRef idx="2">
-        <a:scrgbClr r="0" g="0" b="0"/>
-      </a:lnRef>
-      <a:fillRef idx="1">
-        <a:scrgbClr r="0" g="0" b="0"/>
-      </a:fillRef>
-      <a:effectRef idx="0">
-        <a:scrgbClr r="0" g="0" b="0"/>
-      </a:effectRef>
-      <a:fontRef idx="minor"/>
-    </dgm:style>
-  </dgm:styleLbl>
-  <dgm:styleLbl name="revTx">
-    <dgm:scene3d>
-      <a:camera prst="orthographicFront"/>
-      <a:lightRig rig="threePt" dir="t"/>
-    </dgm:scene3d>
-    <dgm:sp3d/>
-    <dgm:txPr/>
-    <dgm:style>
-      <a:lnRef idx="0">
-        <a:scrgbClr r="0" g="0" b="0"/>
-      </a:lnRef>
-      <a:fillRef idx="0">
-        <a:scrgbClr r="0" g="0" b="0"/>
-      </a:fillRef>
-      <a:effectRef idx="0">
-        <a:scrgbClr r="0" g="0" b="0"/>
-      </a:effectRef>
-      <a:fontRef idx="minor"/>
-    </dgm:style>
-  </dgm:styleLbl>
-</dgm:styleDef>
 </file>
 
 <file path=ppt/slideLayouts/slideLayout1.xml><?xml version="1.0" encoding="utf-8"?>
@@ -3456,7 +261,7 @@
           <a:p>
             <a:fld id="{8D19A3AA-5CC1-4409-A3F5-5174B3C1B3E1}" type="datetimeFigureOut">
               <a:rPr lang="en-CA" smtClean="0"/>
-              <a:t>2019-09-11</a:t>
+              <a:t>2025-02-07</a:t>
             </a:fld>
             <a:endParaRPr lang="en-CA"/>
           </a:p>
@@ -3656,7 +461,7 @@
           <a:p>
             <a:fld id="{8D19A3AA-5CC1-4409-A3F5-5174B3C1B3E1}" type="datetimeFigureOut">
               <a:rPr lang="en-CA" smtClean="0"/>
-              <a:t>2019-09-11</a:t>
+              <a:t>2025-02-07</a:t>
             </a:fld>
             <a:endParaRPr lang="en-CA"/>
           </a:p>
@@ -3866,7 +671,7 @@
           <a:p>
             <a:fld id="{8D19A3AA-5CC1-4409-A3F5-5174B3C1B3E1}" type="datetimeFigureOut">
               <a:rPr lang="en-CA" smtClean="0"/>
-              <a:t>2019-09-11</a:t>
+              <a:t>2025-02-07</a:t>
             </a:fld>
             <a:endParaRPr lang="en-CA"/>
           </a:p>
@@ -4066,7 +871,7 @@
           <a:p>
             <a:fld id="{8D19A3AA-5CC1-4409-A3F5-5174B3C1B3E1}" type="datetimeFigureOut">
               <a:rPr lang="en-CA" smtClean="0"/>
-              <a:t>2019-09-11</a:t>
+              <a:t>2025-02-07</a:t>
             </a:fld>
             <a:endParaRPr lang="en-CA"/>
           </a:p>
@@ -4342,7 +1147,7 @@
           <a:p>
             <a:fld id="{8D19A3AA-5CC1-4409-A3F5-5174B3C1B3E1}" type="datetimeFigureOut">
               <a:rPr lang="en-CA" smtClean="0"/>
-              <a:t>2019-09-11</a:t>
+              <a:t>2025-02-07</a:t>
             </a:fld>
             <a:endParaRPr lang="en-CA"/>
           </a:p>
@@ -4610,7 +1415,7 @@
           <a:p>
             <a:fld id="{8D19A3AA-5CC1-4409-A3F5-5174B3C1B3E1}" type="datetimeFigureOut">
               <a:rPr lang="en-CA" smtClean="0"/>
-              <a:t>2019-09-11</a:t>
+              <a:t>2025-02-07</a:t>
             </a:fld>
             <a:endParaRPr lang="en-CA"/>
           </a:p>
@@ -5025,7 +1830,7 @@
           <a:p>
             <a:fld id="{8D19A3AA-5CC1-4409-A3F5-5174B3C1B3E1}" type="datetimeFigureOut">
               <a:rPr lang="en-CA" smtClean="0"/>
-              <a:t>2019-09-11</a:t>
+              <a:t>2025-02-07</a:t>
             </a:fld>
             <a:endParaRPr lang="en-CA"/>
           </a:p>
@@ -5167,7 +1972,7 @@
           <a:p>
             <a:fld id="{8D19A3AA-5CC1-4409-A3F5-5174B3C1B3E1}" type="datetimeFigureOut">
               <a:rPr lang="en-CA" smtClean="0"/>
-              <a:t>2019-09-11</a:t>
+              <a:t>2025-02-07</a:t>
             </a:fld>
             <a:endParaRPr lang="en-CA"/>
           </a:p>
@@ -5280,7 +2085,7 @@
           <a:p>
             <a:fld id="{8D19A3AA-5CC1-4409-A3F5-5174B3C1B3E1}" type="datetimeFigureOut">
               <a:rPr lang="en-CA" smtClean="0"/>
-              <a:t>2019-09-11</a:t>
+              <a:t>2025-02-07</a:t>
             </a:fld>
             <a:endParaRPr lang="en-CA"/>
           </a:p>
@@ -5593,7 +2398,7 @@
           <a:p>
             <a:fld id="{8D19A3AA-5CC1-4409-A3F5-5174B3C1B3E1}" type="datetimeFigureOut">
               <a:rPr lang="en-CA" smtClean="0"/>
-              <a:t>2019-09-11</a:t>
+              <a:t>2025-02-07</a:t>
             </a:fld>
             <a:endParaRPr lang="en-CA"/>
           </a:p>
@@ -5882,7 +2687,7 @@
           <a:p>
             <a:fld id="{8D19A3AA-5CC1-4409-A3F5-5174B3C1B3E1}" type="datetimeFigureOut">
               <a:rPr lang="en-CA" smtClean="0"/>
-              <a:t>2019-09-11</a:t>
+              <a:t>2025-02-07</a:t>
             </a:fld>
             <a:endParaRPr lang="en-CA"/>
           </a:p>
@@ -6125,7 +2930,7 @@
           <a:p>
             <a:fld id="{8D19A3AA-5CC1-4409-A3F5-5174B3C1B3E1}" type="datetimeFigureOut">
               <a:rPr lang="en-CA" smtClean="0"/>
-              <a:t>2019-09-11</a:t>
+              <a:t>2025-02-07</a:t>
             </a:fld>
             <a:endParaRPr lang="en-CA"/>
           </a:p>
@@ -6542,34 +3347,1191 @@
           <a:chExt cx="0" cy="0"/>
         </a:xfrm>
       </p:grpSpPr>
+      <p:cxnSp>
+        <p:nvCxnSpPr>
+          <p:cNvPr id="48" name="Straight Arrow Connector 47">
+            <a:extLst>
+              <a:ext uri="{FF2B5EF4-FFF2-40B4-BE49-F238E27FC236}">
+                <a16:creationId xmlns:a16="http://schemas.microsoft.com/office/drawing/2014/main" id="{034FF597-67B9-BC16-4ED8-EC1112A39E27}"/>
+              </a:ext>
+            </a:extLst>
+          </p:cNvPr>
+          <p:cNvCxnSpPr>
+            <a:cxnSpLocks/>
+          </p:cNvCxnSpPr>
+          <p:nvPr/>
+        </p:nvCxnSpPr>
+        <p:spPr>
+          <a:xfrm>
+            <a:off x="3695405" y="4003309"/>
+            <a:ext cx="5519485" cy="16107"/>
+          </a:xfrm>
+          <a:prstGeom prst="straightConnector1">
+            <a:avLst/>
+          </a:prstGeom>
+          <a:ln w="19050" cap="flat" cmpd="sng" algn="ctr">
+            <a:solidFill>
+              <a:schemeClr val="dk1"/>
+            </a:solidFill>
+            <a:prstDash val="solid"/>
+            <a:round/>
+            <a:headEnd type="none" w="med" len="med"/>
+            <a:tailEnd type="arrow" w="med" len="med"/>
+          </a:ln>
+        </p:spPr>
+        <p:style>
+          <a:lnRef idx="0">
+            <a:scrgbClr r="0" g="0" b="0"/>
+          </a:lnRef>
+          <a:fillRef idx="0">
+            <a:scrgbClr r="0" g="0" b="0"/>
+          </a:fillRef>
+          <a:effectRef idx="0">
+            <a:scrgbClr r="0" g="0" b="0"/>
+          </a:effectRef>
+          <a:fontRef idx="minor">
+            <a:schemeClr val="tx1"/>
+          </a:fontRef>
+        </p:style>
+      </p:cxnSp>
+      <p:sp>
+        <p:nvSpPr>
+          <p:cNvPr id="2" name="Rectangle 1">
+            <a:extLst>
+              <a:ext uri="{FF2B5EF4-FFF2-40B4-BE49-F238E27FC236}">
+                <a16:creationId xmlns:a16="http://schemas.microsoft.com/office/drawing/2014/main" id="{92E05545-CDC9-3761-B0F3-CA09D32832CE}"/>
+              </a:ext>
+            </a:extLst>
+          </p:cNvPr>
+          <p:cNvSpPr/>
+          <p:nvPr/>
+        </p:nvSpPr>
+        <p:spPr>
+          <a:xfrm>
+            <a:off x="4635795" y="499730"/>
+            <a:ext cx="3848986" cy="1616149"/>
+          </a:xfrm>
+          <a:prstGeom prst="rect">
+            <a:avLst/>
+          </a:prstGeom>
+          <a:noFill/>
+        </p:spPr>
+        <p:style>
+          <a:lnRef idx="2">
+            <a:schemeClr val="accent1">
+              <a:shade val="15000"/>
+            </a:schemeClr>
+          </a:lnRef>
+          <a:fillRef idx="1">
+            <a:schemeClr val="accent1"/>
+          </a:fillRef>
+          <a:effectRef idx="0">
+            <a:schemeClr val="accent1"/>
+          </a:effectRef>
+          <a:fontRef idx="minor">
+            <a:schemeClr val="lt1"/>
+          </a:fontRef>
+        </p:style>
+        <p:txBody>
+          <a:bodyPr rtlCol="0" anchor="ctr"/>
+          <a:lstStyle/>
+          <a:p>
+            <a:pPr algn="ctr"/>
+            <a:endParaRPr lang="en-US"/>
+          </a:p>
+        </p:txBody>
+      </p:sp>
+      <p:sp>
+        <p:nvSpPr>
+          <p:cNvPr id="3" name="TextBox 2">
+            <a:extLst>
+              <a:ext uri="{FF2B5EF4-FFF2-40B4-BE49-F238E27FC236}">
+                <a16:creationId xmlns:a16="http://schemas.microsoft.com/office/drawing/2014/main" id="{2ED124E1-B5FA-E7D6-77DC-A438768583AC}"/>
+              </a:ext>
+            </a:extLst>
+          </p:cNvPr>
+          <p:cNvSpPr txBox="1"/>
+          <p:nvPr/>
+        </p:nvSpPr>
+        <p:spPr>
+          <a:xfrm>
+            <a:off x="4890976" y="499730"/>
+            <a:ext cx="3338623" cy="369332"/>
+          </a:xfrm>
+          <a:prstGeom prst="rect">
+            <a:avLst/>
+          </a:prstGeom>
+          <a:noFill/>
+        </p:spPr>
+        <p:txBody>
+          <a:bodyPr wrap="square" rtlCol="0">
+            <a:spAutoFit/>
+          </a:bodyPr>
+          <a:lstStyle/>
+          <a:p>
+            <a:r>
+              <a:rPr lang="en-US" b="1" dirty="0"/>
+              <a:t>Content Data Structure Creator</a:t>
+            </a:r>
+          </a:p>
+        </p:txBody>
+      </p:sp>
+      <p:sp>
+        <p:nvSpPr>
+          <p:cNvPr id="4" name="Rectangle 3">
+            <a:extLst>
+              <a:ext uri="{FF2B5EF4-FFF2-40B4-BE49-F238E27FC236}">
+                <a16:creationId xmlns:a16="http://schemas.microsoft.com/office/drawing/2014/main" id="{2C39BFF0-ECFF-1E0A-6D1C-A7D52F1186FD}"/>
+              </a:ext>
+            </a:extLst>
+          </p:cNvPr>
+          <p:cNvSpPr/>
+          <p:nvPr/>
+        </p:nvSpPr>
+        <p:spPr>
+          <a:xfrm>
+            <a:off x="4850220" y="923493"/>
+            <a:ext cx="1633870" cy="923330"/>
+          </a:xfrm>
+          <a:prstGeom prst="rect">
+            <a:avLst/>
+          </a:prstGeom>
+          <a:noFill/>
+        </p:spPr>
+        <p:style>
+          <a:lnRef idx="2">
+            <a:schemeClr val="accent1">
+              <a:shade val="15000"/>
+            </a:schemeClr>
+          </a:lnRef>
+          <a:fillRef idx="1">
+            <a:schemeClr val="accent1"/>
+          </a:fillRef>
+          <a:effectRef idx="0">
+            <a:schemeClr val="accent1"/>
+          </a:effectRef>
+          <a:fontRef idx="minor">
+            <a:schemeClr val="lt1"/>
+          </a:fontRef>
+        </p:style>
+        <p:txBody>
+          <a:bodyPr rtlCol="0" anchor="ctr"/>
+          <a:lstStyle/>
+          <a:p>
+            <a:pPr algn="ctr"/>
+            <a:endParaRPr lang="en-US"/>
+          </a:p>
+        </p:txBody>
+      </p:sp>
+      <p:sp>
+        <p:nvSpPr>
+          <p:cNvPr id="6" name="TextBox 5">
+            <a:extLst>
+              <a:ext uri="{FF2B5EF4-FFF2-40B4-BE49-F238E27FC236}">
+                <a16:creationId xmlns:a16="http://schemas.microsoft.com/office/drawing/2014/main" id="{1322031D-F106-A496-F13C-4DDEF7CBF6D5}"/>
+              </a:ext>
+            </a:extLst>
+          </p:cNvPr>
+          <p:cNvSpPr txBox="1"/>
+          <p:nvPr/>
+        </p:nvSpPr>
+        <p:spPr>
+          <a:xfrm>
+            <a:off x="4944141" y="985099"/>
+            <a:ext cx="1446029" cy="923330"/>
+          </a:xfrm>
+          <a:prstGeom prst="rect">
+            <a:avLst/>
+          </a:prstGeom>
+          <a:noFill/>
+        </p:spPr>
+        <p:txBody>
+          <a:bodyPr wrap="square" rtlCol="0">
+            <a:spAutoFit/>
+          </a:bodyPr>
+          <a:lstStyle/>
+          <a:p>
+            <a:pPr algn="ctr"/>
+            <a:r>
+              <a:rPr lang="en-US" dirty="0"/>
+              <a:t>FHIR</a:t>
+            </a:r>
+          </a:p>
+          <a:p>
+            <a:pPr algn="ctr"/>
+            <a:r>
+              <a:rPr lang="en-US" dirty="0"/>
+              <a:t>Terminology</a:t>
+            </a:r>
+          </a:p>
+          <a:p>
+            <a:pPr algn="ctr"/>
+            <a:r>
+              <a:rPr lang="en-US" dirty="0"/>
+              <a:t>Service</a:t>
+            </a:r>
+          </a:p>
+        </p:txBody>
+      </p:sp>
+      <p:sp>
+        <p:nvSpPr>
+          <p:cNvPr id="9" name="Rectangle 8">
+            <a:extLst>
+              <a:ext uri="{FF2B5EF4-FFF2-40B4-BE49-F238E27FC236}">
+                <a16:creationId xmlns:a16="http://schemas.microsoft.com/office/drawing/2014/main" id="{164D7204-3368-65F0-01D6-67B79DD13C48}"/>
+              </a:ext>
+            </a:extLst>
+          </p:cNvPr>
+          <p:cNvSpPr/>
+          <p:nvPr/>
+        </p:nvSpPr>
+        <p:spPr>
+          <a:xfrm>
+            <a:off x="6680793" y="923493"/>
+            <a:ext cx="1633870" cy="923330"/>
+          </a:xfrm>
+          <a:prstGeom prst="rect">
+            <a:avLst/>
+          </a:prstGeom>
+          <a:noFill/>
+        </p:spPr>
+        <p:style>
+          <a:lnRef idx="2">
+            <a:schemeClr val="accent1">
+              <a:shade val="15000"/>
+            </a:schemeClr>
+          </a:lnRef>
+          <a:fillRef idx="1">
+            <a:schemeClr val="accent1"/>
+          </a:fillRef>
+          <a:effectRef idx="0">
+            <a:schemeClr val="accent1"/>
+          </a:effectRef>
+          <a:fontRef idx="minor">
+            <a:schemeClr val="lt1"/>
+          </a:fontRef>
+        </p:style>
+        <p:txBody>
+          <a:bodyPr rtlCol="0" anchor="ctr"/>
+          <a:lstStyle/>
+          <a:p>
+            <a:pPr algn="ctr"/>
+            <a:endParaRPr lang="en-US"/>
+          </a:p>
+        </p:txBody>
+      </p:sp>
+      <p:sp>
+        <p:nvSpPr>
+          <p:cNvPr id="10" name="TextBox 9">
+            <a:extLst>
+              <a:ext uri="{FF2B5EF4-FFF2-40B4-BE49-F238E27FC236}">
+                <a16:creationId xmlns:a16="http://schemas.microsoft.com/office/drawing/2014/main" id="{794238D4-4FD6-A27E-CDF0-73CAB35A5E46}"/>
+              </a:ext>
+            </a:extLst>
+          </p:cNvPr>
+          <p:cNvSpPr txBox="1"/>
+          <p:nvPr/>
+        </p:nvSpPr>
+        <p:spPr>
+          <a:xfrm>
+            <a:off x="6783570" y="1061993"/>
+            <a:ext cx="1446029" cy="646331"/>
+          </a:xfrm>
+          <a:prstGeom prst="rect">
+            <a:avLst/>
+          </a:prstGeom>
+          <a:noFill/>
+        </p:spPr>
+        <p:txBody>
+          <a:bodyPr wrap="square" rtlCol="0">
+            <a:spAutoFit/>
+          </a:bodyPr>
+          <a:lstStyle/>
+          <a:p>
+            <a:pPr algn="ctr"/>
+            <a:r>
+              <a:rPr lang="en-US" dirty="0"/>
+              <a:t>FHIR</a:t>
+            </a:r>
+          </a:p>
+          <a:p>
+            <a:pPr algn="ctr"/>
+            <a:r>
+              <a:rPr lang="en-US" dirty="0"/>
+              <a:t>Measure</a:t>
+            </a:r>
+          </a:p>
+        </p:txBody>
+      </p:sp>
+      <p:cxnSp>
+        <p:nvCxnSpPr>
+          <p:cNvPr id="12" name="Straight Arrow Connector 11">
+            <a:extLst>
+              <a:ext uri="{FF2B5EF4-FFF2-40B4-BE49-F238E27FC236}">
+                <a16:creationId xmlns:a16="http://schemas.microsoft.com/office/drawing/2014/main" id="{042FDCFF-31C9-95F8-067D-2244DAB86CD0}"/>
+              </a:ext>
+            </a:extLst>
+          </p:cNvPr>
+          <p:cNvCxnSpPr>
+            <a:cxnSpLocks/>
+            <a:endCxn id="17" idx="0"/>
+          </p:cNvCxnSpPr>
+          <p:nvPr/>
+        </p:nvCxnSpPr>
+        <p:spPr>
+          <a:xfrm flipH="1">
+            <a:off x="2568944" y="2115879"/>
+            <a:ext cx="2853661" cy="944473"/>
+          </a:xfrm>
+          <a:prstGeom prst="straightConnector1">
+            <a:avLst/>
+          </a:prstGeom>
+          <a:ln w="19050" cap="flat" cmpd="sng" algn="ctr">
+            <a:solidFill>
+              <a:schemeClr val="dk1"/>
+            </a:solidFill>
+            <a:prstDash val="dash"/>
+            <a:round/>
+            <a:headEnd type="none" w="med" len="med"/>
+            <a:tailEnd type="arrow" w="med" len="med"/>
+          </a:ln>
+        </p:spPr>
+        <p:style>
+          <a:lnRef idx="0">
+            <a:scrgbClr r="0" g="0" b="0"/>
+          </a:lnRef>
+          <a:fillRef idx="0">
+            <a:scrgbClr r="0" g="0" b="0"/>
+          </a:fillRef>
+          <a:effectRef idx="0">
+            <a:scrgbClr r="0" g="0" b="0"/>
+          </a:effectRef>
+          <a:fontRef idx="minor">
+            <a:schemeClr val="tx1"/>
+          </a:fontRef>
+        </p:style>
+      </p:cxnSp>
       <p:graphicFrame>
         <p:nvGraphicFramePr>
-          <p:cNvPr id="5" name="Diagram 4">
-            <a:extLst>
-              <a:ext uri="{FF2B5EF4-FFF2-40B4-BE49-F238E27FC236}">
-                <a16:creationId xmlns:a16="http://schemas.microsoft.com/office/drawing/2014/main" id="{D1795E38-814D-48F3-9D71-9E2D26D5A3FE}"/>
-              </a:ext>
-            </a:extLst>
-          </p:cNvPr>
-          <p:cNvGraphicFramePr/>
+          <p:cNvPr id="17" name="Table 16">
+            <a:extLst>
+              <a:ext uri="{FF2B5EF4-FFF2-40B4-BE49-F238E27FC236}">
+                <a16:creationId xmlns:a16="http://schemas.microsoft.com/office/drawing/2014/main" id="{95664558-FD0C-4E20-731C-E5E57340864C}"/>
+              </a:ext>
+            </a:extLst>
+          </p:cNvPr>
+          <p:cNvGraphicFramePr>
+            <a:graphicFrameLocks noGrp="1"/>
+          </p:cNvGraphicFramePr>
           <p:nvPr>
             <p:extLst>
               <p:ext uri="{D42A27DB-BD31-4B8C-83A1-F6EECF244321}">
-                <p14:modId xmlns:p14="http://schemas.microsoft.com/office/powerpoint/2010/main" val="2123062044"/>
+                <p14:modId xmlns:p14="http://schemas.microsoft.com/office/powerpoint/2010/main" val="1550681883"/>
               </p:ext>
             </p:extLst>
           </p:nvPr>
         </p:nvGraphicFramePr>
         <p:xfrm>
-          <a:off x="2032000" y="719666"/>
-          <a:ext cx="8128000" cy="5418667"/>
+          <a:off x="1442484" y="3060352"/>
+          <a:ext cx="2252921" cy="2523868"/>
         </p:xfrm>
         <a:graphic>
-          <a:graphicData uri="http://schemas.openxmlformats.org/drawingml/2006/diagram">
-            <dgm:relIds xmlns:dgm="http://schemas.openxmlformats.org/drawingml/2006/diagram" xmlns:r="http://schemas.openxmlformats.org/officeDocument/2006/relationships" r:dm="rId2" r:lo="rId3" r:qs="rId4" r:cs="rId5"/>
+          <a:graphicData uri="http://schemas.openxmlformats.org/drawingml/2006/table">
+            <a:tbl>
+              <a:tblPr firstRow="1" bandRow="1">
+                <a:tableStyleId>{5940675A-B579-460E-94D1-54222C63F5DA}</a:tableStyleId>
+              </a:tblPr>
+              <a:tblGrid>
+                <a:gridCol w="2252921">
+                  <a:extLst>
+                    <a:ext uri="{9D8B030D-6E8A-4147-A177-3AD203B41FA5}">
+                      <a16:colId xmlns:a16="http://schemas.microsoft.com/office/drawing/2014/main" val="849759116"/>
+                    </a:ext>
+                  </a:extLst>
+                </a:gridCol>
+              </a:tblGrid>
+              <a:tr h="603628">
+                <a:tc>
+                  <a:txBody>
+                    <a:bodyPr/>
+                    <a:lstStyle/>
+                    <a:p>
+                      <a:pPr algn="ctr"/>
+                      <a:r>
+                        <a:rPr lang="en-US" b="1" dirty="0"/>
+                        <a:t>Content Data Structure Consumer</a:t>
+                      </a:r>
+                    </a:p>
+                  </a:txBody>
+                  <a:tcPr anchor="ctr"/>
+                </a:tc>
+                <a:extLst>
+                  <a:ext uri="{0D108BD9-81ED-4DB2-BD59-A6C34878D82A}">
+                    <a16:rowId xmlns:a16="http://schemas.microsoft.com/office/drawing/2014/main" val="4201627678"/>
+                  </a:ext>
+                </a:extLst>
+              </a:tr>
+              <a:tr h="603628">
+                <a:tc>
+                  <a:txBody>
+                    <a:bodyPr/>
+                    <a:lstStyle/>
+                    <a:p>
+                      <a:pPr algn="ctr"/>
+                      <a:r>
+                        <a:rPr lang="en-US" b="1" dirty="0"/>
+                        <a:t>Content Creator</a:t>
+                      </a:r>
+                    </a:p>
+                  </a:txBody>
+                  <a:tcPr anchor="ctr"/>
+                </a:tc>
+                <a:extLst>
+                  <a:ext uri="{0D108BD9-81ED-4DB2-BD59-A6C34878D82A}">
+                    <a16:rowId xmlns:a16="http://schemas.microsoft.com/office/drawing/2014/main" val="950996133"/>
+                  </a:ext>
+                </a:extLst>
+              </a:tr>
+              <a:tr h="603628">
+                <a:tc>
+                  <a:txBody>
+                    <a:bodyPr/>
+                    <a:lstStyle/>
+                    <a:p>
+                      <a:pPr algn="ctr"/>
+                      <a:r>
+                        <a:rPr lang="en-US" b="1" dirty="0"/>
+                        <a:t>Care Services Update Consumer</a:t>
+                      </a:r>
+                    </a:p>
+                  </a:txBody>
+                  <a:tcPr anchor="ctr"/>
+                </a:tc>
+                <a:extLst>
+                  <a:ext uri="{0D108BD9-81ED-4DB2-BD59-A6C34878D82A}">
+                    <a16:rowId xmlns:a16="http://schemas.microsoft.com/office/drawing/2014/main" val="155285290"/>
+                  </a:ext>
+                </a:extLst>
+              </a:tr>
+              <a:tr h="603628">
+                <a:tc>
+                  <a:txBody>
+                    <a:bodyPr/>
+                    <a:lstStyle/>
+                    <a:p>
+                      <a:pPr algn="ctr"/>
+                      <a:r>
+                        <a:rPr lang="en-US" b="1" dirty="0"/>
+                        <a:t>Terminology Consumer</a:t>
+                      </a:r>
+                    </a:p>
+                  </a:txBody>
+                  <a:tcPr anchor="ctr"/>
+                </a:tc>
+                <a:extLst>
+                  <a:ext uri="{0D108BD9-81ED-4DB2-BD59-A6C34878D82A}">
+                    <a16:rowId xmlns:a16="http://schemas.microsoft.com/office/drawing/2014/main" val="1210663408"/>
+                  </a:ext>
+                </a:extLst>
+              </a:tr>
+            </a:tbl>
           </a:graphicData>
         </a:graphic>
       </p:graphicFrame>
+      <p:graphicFrame>
+        <p:nvGraphicFramePr>
+          <p:cNvPr id="35" name="Table 34">
+            <a:extLst>
+              <a:ext uri="{FF2B5EF4-FFF2-40B4-BE49-F238E27FC236}">
+                <a16:creationId xmlns:a16="http://schemas.microsoft.com/office/drawing/2014/main" id="{1B4F51BF-71DE-B18B-F7FE-1EADE3722BF4}"/>
+              </a:ext>
+            </a:extLst>
+          </p:cNvPr>
+          <p:cNvGraphicFramePr>
+            <a:graphicFrameLocks noGrp="1"/>
+          </p:cNvGraphicFramePr>
+          <p:nvPr>
+            <p:extLst>
+              <p:ext uri="{D42A27DB-BD31-4B8C-83A1-F6EECF244321}">
+                <p14:modId xmlns:p14="http://schemas.microsoft.com/office/powerpoint/2010/main" val="1540011914"/>
+              </p:ext>
+            </p:extLst>
+          </p:nvPr>
+        </p:nvGraphicFramePr>
+        <p:xfrm>
+          <a:off x="9214890" y="3060352"/>
+          <a:ext cx="2252921" cy="2523868"/>
+        </p:xfrm>
+        <a:graphic>
+          <a:graphicData uri="http://schemas.openxmlformats.org/drawingml/2006/table">
+            <a:tbl>
+              <a:tblPr firstRow="1" bandRow="1">
+                <a:tableStyleId>{5940675A-B579-460E-94D1-54222C63F5DA}</a:tableStyleId>
+              </a:tblPr>
+              <a:tblGrid>
+                <a:gridCol w="2252921">
+                  <a:extLst>
+                    <a:ext uri="{9D8B030D-6E8A-4147-A177-3AD203B41FA5}">
+                      <a16:colId xmlns:a16="http://schemas.microsoft.com/office/drawing/2014/main" val="849759116"/>
+                    </a:ext>
+                  </a:extLst>
+                </a:gridCol>
+              </a:tblGrid>
+              <a:tr h="603628">
+                <a:tc>
+                  <a:txBody>
+                    <a:bodyPr/>
+                    <a:lstStyle/>
+                    <a:p>
+                      <a:pPr algn="ctr"/>
+                      <a:r>
+                        <a:rPr lang="en-US" b="1" dirty="0"/>
+                        <a:t>Content Data Structure Consumer</a:t>
+                      </a:r>
+                    </a:p>
+                  </a:txBody>
+                  <a:tcPr anchor="ctr"/>
+                </a:tc>
+                <a:extLst>
+                  <a:ext uri="{0D108BD9-81ED-4DB2-BD59-A6C34878D82A}">
+                    <a16:rowId xmlns:a16="http://schemas.microsoft.com/office/drawing/2014/main" val="4201627678"/>
+                  </a:ext>
+                </a:extLst>
+              </a:tr>
+              <a:tr h="603628">
+                <a:tc>
+                  <a:txBody>
+                    <a:bodyPr/>
+                    <a:lstStyle/>
+                    <a:p>
+                      <a:pPr algn="ctr"/>
+                      <a:r>
+                        <a:rPr lang="en-US" b="1" dirty="0"/>
+                        <a:t>Content Consumer</a:t>
+                      </a:r>
+                    </a:p>
+                  </a:txBody>
+                  <a:tcPr anchor="ctr"/>
+                </a:tc>
+                <a:extLst>
+                  <a:ext uri="{0D108BD9-81ED-4DB2-BD59-A6C34878D82A}">
+                    <a16:rowId xmlns:a16="http://schemas.microsoft.com/office/drawing/2014/main" val="950996133"/>
+                  </a:ext>
+                </a:extLst>
+              </a:tr>
+              <a:tr h="603628">
+                <a:tc>
+                  <a:txBody>
+                    <a:bodyPr/>
+                    <a:lstStyle/>
+                    <a:p>
+                      <a:pPr algn="ctr"/>
+                      <a:r>
+                        <a:rPr lang="en-US" b="1" dirty="0"/>
+                        <a:t>Care Services Update Consumer</a:t>
+                      </a:r>
+                    </a:p>
+                  </a:txBody>
+                  <a:tcPr anchor="ctr"/>
+                </a:tc>
+                <a:extLst>
+                  <a:ext uri="{0D108BD9-81ED-4DB2-BD59-A6C34878D82A}">
+                    <a16:rowId xmlns:a16="http://schemas.microsoft.com/office/drawing/2014/main" val="155285290"/>
+                  </a:ext>
+                </a:extLst>
+              </a:tr>
+              <a:tr h="603628">
+                <a:tc>
+                  <a:txBody>
+                    <a:bodyPr/>
+                    <a:lstStyle/>
+                    <a:p>
+                      <a:pPr algn="ctr"/>
+                      <a:r>
+                        <a:rPr lang="en-US" b="1" dirty="0"/>
+                        <a:t>Terminology Consumer</a:t>
+                      </a:r>
+                    </a:p>
+                  </a:txBody>
+                  <a:tcPr anchor="ctr"/>
+                </a:tc>
+                <a:extLst>
+                  <a:ext uri="{0D108BD9-81ED-4DB2-BD59-A6C34878D82A}">
+                    <a16:rowId xmlns:a16="http://schemas.microsoft.com/office/drawing/2014/main" val="1210663408"/>
+                  </a:ext>
+                </a:extLst>
+              </a:tr>
+            </a:tbl>
+          </a:graphicData>
+        </a:graphic>
+      </p:graphicFrame>
+      <p:cxnSp>
+        <p:nvCxnSpPr>
+          <p:cNvPr id="36" name="Straight Arrow Connector 35">
+            <a:extLst>
+              <a:ext uri="{FF2B5EF4-FFF2-40B4-BE49-F238E27FC236}">
+                <a16:creationId xmlns:a16="http://schemas.microsoft.com/office/drawing/2014/main" id="{44CDB5D4-F1AF-226E-11B3-32A51CBD50FD}"/>
+              </a:ext>
+            </a:extLst>
+          </p:cNvPr>
+          <p:cNvCxnSpPr>
+            <a:cxnSpLocks/>
+            <a:endCxn id="35" idx="0"/>
+          </p:cNvCxnSpPr>
+          <p:nvPr/>
+        </p:nvCxnSpPr>
+        <p:spPr>
+          <a:xfrm>
+            <a:off x="7351827" y="2115879"/>
+            <a:ext cx="2989523" cy="944473"/>
+          </a:xfrm>
+          <a:prstGeom prst="straightConnector1">
+            <a:avLst/>
+          </a:prstGeom>
+          <a:ln w="19050" cap="flat" cmpd="sng" algn="ctr">
+            <a:solidFill>
+              <a:schemeClr val="dk1"/>
+            </a:solidFill>
+            <a:prstDash val="dash"/>
+            <a:round/>
+            <a:headEnd type="none" w="med" len="med"/>
+            <a:tailEnd type="arrow" w="med" len="med"/>
+          </a:ln>
+        </p:spPr>
+        <p:style>
+          <a:lnRef idx="0">
+            <a:scrgbClr r="0" g="0" b="0"/>
+          </a:lnRef>
+          <a:fillRef idx="0">
+            <a:scrgbClr r="0" g="0" b="0"/>
+          </a:fillRef>
+          <a:effectRef idx="0">
+            <a:scrgbClr r="0" g="0" b="0"/>
+          </a:effectRef>
+          <a:fontRef idx="minor">
+            <a:schemeClr val="tx1"/>
+          </a:fontRef>
+        </p:style>
+      </p:cxnSp>
+      <p:sp>
+        <p:nvSpPr>
+          <p:cNvPr id="40" name="Rectangle 39">
+            <a:extLst>
+              <a:ext uri="{FF2B5EF4-FFF2-40B4-BE49-F238E27FC236}">
+                <a16:creationId xmlns:a16="http://schemas.microsoft.com/office/drawing/2014/main" id="{0BACBF47-6144-EF73-80AD-3D1FFE0C4FB3}"/>
+              </a:ext>
+            </a:extLst>
+          </p:cNvPr>
+          <p:cNvSpPr/>
+          <p:nvPr/>
+        </p:nvSpPr>
+        <p:spPr>
+          <a:xfrm>
+            <a:off x="4635795" y="6189961"/>
+            <a:ext cx="3848986" cy="508552"/>
+          </a:xfrm>
+          <a:prstGeom prst="rect">
+            <a:avLst/>
+          </a:prstGeom>
+          <a:noFill/>
+        </p:spPr>
+        <p:style>
+          <a:lnRef idx="2">
+            <a:schemeClr val="accent1">
+              <a:shade val="15000"/>
+            </a:schemeClr>
+          </a:lnRef>
+          <a:fillRef idx="1">
+            <a:schemeClr val="accent1"/>
+          </a:fillRef>
+          <a:effectRef idx="0">
+            <a:schemeClr val="accent1"/>
+          </a:effectRef>
+          <a:fontRef idx="minor">
+            <a:schemeClr val="lt1"/>
+          </a:fontRef>
+        </p:style>
+        <p:txBody>
+          <a:bodyPr rtlCol="0" anchor="ctr"/>
+          <a:lstStyle/>
+          <a:p>
+            <a:pPr algn="ctr"/>
+            <a:endParaRPr lang="en-US"/>
+          </a:p>
+        </p:txBody>
+      </p:sp>
+      <p:sp>
+        <p:nvSpPr>
+          <p:cNvPr id="41" name="TextBox 40">
+            <a:extLst>
+              <a:ext uri="{FF2B5EF4-FFF2-40B4-BE49-F238E27FC236}">
+                <a16:creationId xmlns:a16="http://schemas.microsoft.com/office/drawing/2014/main" id="{A2066F8A-FB74-FEBC-10CE-3D3E8213FECA}"/>
+              </a:ext>
+            </a:extLst>
+          </p:cNvPr>
+          <p:cNvSpPr txBox="1"/>
+          <p:nvPr/>
+        </p:nvSpPr>
+        <p:spPr>
+          <a:xfrm>
+            <a:off x="4890976" y="6259571"/>
+            <a:ext cx="3338623" cy="369332"/>
+          </a:xfrm>
+          <a:prstGeom prst="rect">
+            <a:avLst/>
+          </a:prstGeom>
+          <a:noFill/>
+        </p:spPr>
+        <p:txBody>
+          <a:bodyPr wrap="square" rtlCol="0">
+            <a:spAutoFit/>
+          </a:bodyPr>
+          <a:lstStyle/>
+          <a:p>
+            <a:r>
+              <a:rPr lang="en-US" b="1" dirty="0"/>
+              <a:t>Care Services Update Supplier</a:t>
+            </a:r>
+          </a:p>
+        </p:txBody>
+      </p:sp>
+      <p:cxnSp>
+        <p:nvCxnSpPr>
+          <p:cNvPr id="42" name="Straight Arrow Connector 41">
+            <a:extLst>
+              <a:ext uri="{FF2B5EF4-FFF2-40B4-BE49-F238E27FC236}">
+                <a16:creationId xmlns:a16="http://schemas.microsoft.com/office/drawing/2014/main" id="{0C46CDB5-154A-2217-A928-516512A488B4}"/>
+              </a:ext>
+            </a:extLst>
+          </p:cNvPr>
+          <p:cNvCxnSpPr>
+            <a:cxnSpLocks/>
+          </p:cNvCxnSpPr>
+          <p:nvPr/>
+        </p:nvCxnSpPr>
+        <p:spPr>
+          <a:xfrm flipH="1" flipV="1">
+            <a:off x="2690037" y="5584220"/>
+            <a:ext cx="3016104" cy="605739"/>
+          </a:xfrm>
+          <a:prstGeom prst="straightConnector1">
+            <a:avLst/>
+          </a:prstGeom>
+          <a:ln w="19050" cap="flat" cmpd="sng" algn="ctr">
+            <a:solidFill>
+              <a:schemeClr val="dk1"/>
+            </a:solidFill>
+            <a:prstDash val="solid"/>
+            <a:round/>
+            <a:headEnd type="none" w="med" len="med"/>
+            <a:tailEnd type="arrow" w="med" len="med"/>
+          </a:ln>
+        </p:spPr>
+        <p:style>
+          <a:lnRef idx="0">
+            <a:scrgbClr r="0" g="0" b="0"/>
+          </a:lnRef>
+          <a:fillRef idx="0">
+            <a:scrgbClr r="0" g="0" b="0"/>
+          </a:fillRef>
+          <a:effectRef idx="0">
+            <a:scrgbClr r="0" g="0" b="0"/>
+          </a:effectRef>
+          <a:fontRef idx="minor">
+            <a:schemeClr val="tx1"/>
+          </a:fontRef>
+        </p:style>
+      </p:cxnSp>
+      <p:cxnSp>
+        <p:nvCxnSpPr>
+          <p:cNvPr id="45" name="Straight Arrow Connector 44">
+            <a:extLst>
+              <a:ext uri="{FF2B5EF4-FFF2-40B4-BE49-F238E27FC236}">
+                <a16:creationId xmlns:a16="http://schemas.microsoft.com/office/drawing/2014/main" id="{54B47A33-00CD-C4E2-AECF-FFE7F5742742}"/>
+              </a:ext>
+            </a:extLst>
+          </p:cNvPr>
+          <p:cNvCxnSpPr>
+            <a:cxnSpLocks/>
+            <a:endCxn id="35" idx="2"/>
+          </p:cNvCxnSpPr>
+          <p:nvPr/>
+        </p:nvCxnSpPr>
+        <p:spPr>
+          <a:xfrm flipV="1">
+            <a:off x="7634177" y="5584220"/>
+            <a:ext cx="2707173" cy="605739"/>
+          </a:xfrm>
+          <a:prstGeom prst="straightConnector1">
+            <a:avLst/>
+          </a:prstGeom>
+          <a:ln w="19050" cap="flat" cmpd="sng" algn="ctr">
+            <a:solidFill>
+              <a:schemeClr val="dk1"/>
+            </a:solidFill>
+            <a:prstDash val="solid"/>
+            <a:round/>
+            <a:headEnd type="none" w="med" len="med"/>
+            <a:tailEnd type="arrow" w="med" len="med"/>
+          </a:ln>
+        </p:spPr>
+        <p:style>
+          <a:lnRef idx="0">
+            <a:scrgbClr r="0" g="0" b="0"/>
+          </a:lnRef>
+          <a:fillRef idx="0">
+            <a:scrgbClr r="0" g="0" b="0"/>
+          </a:fillRef>
+          <a:effectRef idx="0">
+            <a:scrgbClr r="0" g="0" b="0"/>
+          </a:effectRef>
+          <a:fontRef idx="minor">
+            <a:schemeClr val="tx1"/>
+          </a:fontRef>
+        </p:style>
+      </p:cxnSp>
+      <p:grpSp>
+        <p:nvGrpSpPr>
+          <p:cNvPr id="32" name="Group 31">
+            <a:extLst>
+              <a:ext uri="{FF2B5EF4-FFF2-40B4-BE49-F238E27FC236}">
+                <a16:creationId xmlns:a16="http://schemas.microsoft.com/office/drawing/2014/main" id="{0318EC4D-98D0-6657-BCE7-E10EA5F6F242}"/>
+              </a:ext>
+            </a:extLst>
+          </p:cNvPr>
+          <p:cNvGrpSpPr>
+            <a:grpSpLocks/>
+          </p:cNvGrpSpPr>
+          <p:nvPr/>
+        </p:nvGrpSpPr>
+        <p:grpSpPr>
+          <a:xfrm>
+            <a:off x="5986130" y="3328140"/>
+            <a:ext cx="1116419" cy="637954"/>
+            <a:chOff x="5447416" y="3683269"/>
+            <a:chExt cx="1233377" cy="637954"/>
+          </a:xfrm>
+        </p:grpSpPr>
+        <p:sp>
+          <p:nvSpPr>
+            <p:cNvPr id="33" name="Rectangle: Single Corner Snipped 32">
+              <a:extLst>
+                <a:ext uri="{FF2B5EF4-FFF2-40B4-BE49-F238E27FC236}">
+                  <a16:creationId xmlns:a16="http://schemas.microsoft.com/office/drawing/2014/main" id="{7A0047B3-0305-15D6-3A17-ECE38261876C}"/>
+                </a:ext>
+              </a:extLst>
+            </p:cNvPr>
+            <p:cNvSpPr>
+              <a:spLocks/>
+            </p:cNvSpPr>
+            <p:nvPr/>
+          </p:nvSpPr>
+          <p:spPr>
+            <a:xfrm>
+              <a:off x="5447416" y="3683269"/>
+              <a:ext cx="1233377" cy="637954"/>
+            </a:xfrm>
+            <a:prstGeom prst="snip1Rect">
+              <a:avLst/>
+            </a:prstGeom>
+            <a:noFill/>
+          </p:spPr>
+          <p:style>
+            <a:lnRef idx="2">
+              <a:schemeClr val="accent1">
+                <a:shade val="15000"/>
+              </a:schemeClr>
+            </a:lnRef>
+            <a:fillRef idx="1">
+              <a:schemeClr val="accent1"/>
+            </a:fillRef>
+            <a:effectRef idx="0">
+              <a:schemeClr val="accent1"/>
+            </a:effectRef>
+            <a:fontRef idx="minor">
+              <a:schemeClr val="lt1"/>
+            </a:fontRef>
+          </p:style>
+          <p:txBody>
+            <a:bodyPr rtlCol="0" anchor="ctr"/>
+            <a:lstStyle/>
+            <a:p>
+              <a:pPr algn="ctr"/>
+              <a:endParaRPr lang="en-US"/>
+            </a:p>
+          </p:txBody>
+        </p:sp>
+        <p:sp>
+          <p:nvSpPr>
+            <p:cNvPr id="34" name="TextBox 33">
+              <a:extLst>
+                <a:ext uri="{FF2B5EF4-FFF2-40B4-BE49-F238E27FC236}">
+                  <a16:creationId xmlns:a16="http://schemas.microsoft.com/office/drawing/2014/main" id="{126E714F-A08A-4322-08F2-D71D6318C0C7}"/>
+                </a:ext>
+              </a:extLst>
+            </p:cNvPr>
+            <p:cNvSpPr txBox="1">
+              <a:spLocks/>
+            </p:cNvSpPr>
+            <p:nvPr/>
+          </p:nvSpPr>
+          <p:spPr>
+            <a:xfrm>
+              <a:off x="5528930" y="3728055"/>
+              <a:ext cx="1063256" cy="584775"/>
+            </a:xfrm>
+            <a:prstGeom prst="rect">
+              <a:avLst/>
+            </a:prstGeom>
+            <a:noFill/>
+          </p:spPr>
+          <p:txBody>
+            <a:bodyPr wrap="square" rtlCol="0">
+              <a:spAutoFit/>
+            </a:bodyPr>
+            <a:lstStyle/>
+            <a:p>
+              <a:pPr algn="ctr"/>
+              <a:r>
+                <a:rPr lang="en-US" sz="1600" dirty="0" err="1"/>
+                <a:t>mADX</a:t>
+              </a:r>
+              <a:r>
+                <a:rPr lang="en-US" sz="1600" dirty="0"/>
+                <a:t> message</a:t>
+              </a:r>
+            </a:p>
+          </p:txBody>
+        </p:sp>
+      </p:grpSp>
+      <p:grpSp>
+        <p:nvGrpSpPr>
+          <p:cNvPr id="55" name="Group 54">
+            <a:extLst>
+              <a:ext uri="{FF2B5EF4-FFF2-40B4-BE49-F238E27FC236}">
+                <a16:creationId xmlns:a16="http://schemas.microsoft.com/office/drawing/2014/main" id="{CFE9E1EC-6633-C1D5-5E05-2D5F2AB95B95}"/>
+              </a:ext>
+            </a:extLst>
+          </p:cNvPr>
+          <p:cNvGrpSpPr>
+            <a:grpSpLocks/>
+          </p:cNvGrpSpPr>
+          <p:nvPr/>
+        </p:nvGrpSpPr>
+        <p:grpSpPr>
+          <a:xfrm>
+            <a:off x="7204154" y="3325070"/>
+            <a:ext cx="1116419" cy="637954"/>
+            <a:chOff x="5447416" y="3683269"/>
+            <a:chExt cx="1233377" cy="637954"/>
+          </a:xfrm>
+        </p:grpSpPr>
+        <p:sp>
+          <p:nvSpPr>
+            <p:cNvPr id="56" name="Rectangle: Single Corner Snipped 55">
+              <a:extLst>
+                <a:ext uri="{FF2B5EF4-FFF2-40B4-BE49-F238E27FC236}">
+                  <a16:creationId xmlns:a16="http://schemas.microsoft.com/office/drawing/2014/main" id="{F709DB22-5811-2992-3E3E-736EA9FBD07B}"/>
+                </a:ext>
+              </a:extLst>
+            </p:cNvPr>
+            <p:cNvSpPr>
+              <a:spLocks/>
+            </p:cNvSpPr>
+            <p:nvPr/>
+          </p:nvSpPr>
+          <p:spPr>
+            <a:xfrm>
+              <a:off x="5447416" y="3683269"/>
+              <a:ext cx="1233377" cy="637954"/>
+            </a:xfrm>
+            <a:prstGeom prst="snip1Rect">
+              <a:avLst/>
+            </a:prstGeom>
+            <a:noFill/>
+          </p:spPr>
+          <p:style>
+            <a:lnRef idx="2">
+              <a:schemeClr val="accent1">
+                <a:shade val="15000"/>
+              </a:schemeClr>
+            </a:lnRef>
+            <a:fillRef idx="1">
+              <a:schemeClr val="accent1"/>
+            </a:fillRef>
+            <a:effectRef idx="0">
+              <a:schemeClr val="accent1"/>
+            </a:effectRef>
+            <a:fontRef idx="minor">
+              <a:schemeClr val="lt1"/>
+            </a:fontRef>
+          </p:style>
+          <p:txBody>
+            <a:bodyPr rtlCol="0" anchor="ctr"/>
+            <a:lstStyle/>
+            <a:p>
+              <a:pPr algn="ctr"/>
+              <a:endParaRPr lang="en-US"/>
+            </a:p>
+          </p:txBody>
+        </p:sp>
+        <p:sp>
+          <p:nvSpPr>
+            <p:cNvPr id="57" name="TextBox 56">
+              <a:extLst>
+                <a:ext uri="{FF2B5EF4-FFF2-40B4-BE49-F238E27FC236}">
+                  <a16:creationId xmlns:a16="http://schemas.microsoft.com/office/drawing/2014/main" id="{EFBE5ACF-3E08-5519-C4C9-55B416348154}"/>
+                </a:ext>
+              </a:extLst>
+            </p:cNvPr>
+            <p:cNvSpPr txBox="1">
+              <a:spLocks/>
+            </p:cNvSpPr>
+            <p:nvPr/>
+          </p:nvSpPr>
+          <p:spPr>
+            <a:xfrm>
+              <a:off x="5528930" y="3728055"/>
+              <a:ext cx="1063256" cy="584775"/>
+            </a:xfrm>
+            <a:prstGeom prst="rect">
+              <a:avLst/>
+            </a:prstGeom>
+            <a:noFill/>
+          </p:spPr>
+          <p:txBody>
+            <a:bodyPr wrap="square" rtlCol="0">
+              <a:spAutoFit/>
+            </a:bodyPr>
+            <a:lstStyle/>
+            <a:p>
+              <a:pPr algn="ctr"/>
+              <a:r>
+                <a:rPr lang="en-US" sz="1600" dirty="0" err="1"/>
+                <a:t>mADX</a:t>
+              </a:r>
+              <a:r>
+                <a:rPr lang="en-US" sz="1600" dirty="0"/>
+                <a:t> message</a:t>
+              </a:r>
+            </a:p>
+          </p:txBody>
+        </p:sp>
+      </p:grpSp>
+      <p:grpSp>
+        <p:nvGrpSpPr>
+          <p:cNvPr id="58" name="Group 57">
+            <a:extLst>
+              <a:ext uri="{FF2B5EF4-FFF2-40B4-BE49-F238E27FC236}">
+                <a16:creationId xmlns:a16="http://schemas.microsoft.com/office/drawing/2014/main" id="{E2CDFE24-5976-308B-6970-53F904D08BAD}"/>
+              </a:ext>
+            </a:extLst>
+          </p:cNvPr>
+          <p:cNvGrpSpPr>
+            <a:grpSpLocks/>
+          </p:cNvGrpSpPr>
+          <p:nvPr/>
+        </p:nvGrpSpPr>
+        <p:grpSpPr>
+          <a:xfrm>
+            <a:off x="4768106" y="3314437"/>
+            <a:ext cx="1116419" cy="637954"/>
+            <a:chOff x="5447416" y="3683269"/>
+            <a:chExt cx="1233377" cy="637954"/>
+          </a:xfrm>
+        </p:grpSpPr>
+        <p:sp>
+          <p:nvSpPr>
+            <p:cNvPr id="59" name="Rectangle: Single Corner Snipped 58">
+              <a:extLst>
+                <a:ext uri="{FF2B5EF4-FFF2-40B4-BE49-F238E27FC236}">
+                  <a16:creationId xmlns:a16="http://schemas.microsoft.com/office/drawing/2014/main" id="{6E8087F4-41E0-875C-A679-D1709614092A}"/>
+                </a:ext>
+              </a:extLst>
+            </p:cNvPr>
+            <p:cNvSpPr>
+              <a:spLocks/>
+            </p:cNvSpPr>
+            <p:nvPr/>
+          </p:nvSpPr>
+          <p:spPr>
+            <a:xfrm>
+              <a:off x="5447416" y="3683269"/>
+              <a:ext cx="1233377" cy="637954"/>
+            </a:xfrm>
+            <a:prstGeom prst="snip1Rect">
+              <a:avLst/>
+            </a:prstGeom>
+            <a:noFill/>
+          </p:spPr>
+          <p:style>
+            <a:lnRef idx="2">
+              <a:schemeClr val="accent1">
+                <a:shade val="15000"/>
+              </a:schemeClr>
+            </a:lnRef>
+            <a:fillRef idx="1">
+              <a:schemeClr val="accent1"/>
+            </a:fillRef>
+            <a:effectRef idx="0">
+              <a:schemeClr val="accent1"/>
+            </a:effectRef>
+            <a:fontRef idx="minor">
+              <a:schemeClr val="lt1"/>
+            </a:fontRef>
+          </p:style>
+          <p:txBody>
+            <a:bodyPr rtlCol="0" anchor="ctr"/>
+            <a:lstStyle/>
+            <a:p>
+              <a:pPr algn="ctr"/>
+              <a:endParaRPr lang="en-US"/>
+            </a:p>
+          </p:txBody>
+        </p:sp>
+        <p:sp>
+          <p:nvSpPr>
+            <p:cNvPr id="60" name="TextBox 59">
+              <a:extLst>
+                <a:ext uri="{FF2B5EF4-FFF2-40B4-BE49-F238E27FC236}">
+                  <a16:creationId xmlns:a16="http://schemas.microsoft.com/office/drawing/2014/main" id="{7AF13EAE-3A30-7910-F7DE-1F85DA324D58}"/>
+                </a:ext>
+              </a:extLst>
+            </p:cNvPr>
+            <p:cNvSpPr txBox="1">
+              <a:spLocks/>
+            </p:cNvSpPr>
+            <p:nvPr/>
+          </p:nvSpPr>
+          <p:spPr>
+            <a:xfrm>
+              <a:off x="5528930" y="3728055"/>
+              <a:ext cx="1063256" cy="584775"/>
+            </a:xfrm>
+            <a:prstGeom prst="rect">
+              <a:avLst/>
+            </a:prstGeom>
+            <a:noFill/>
+          </p:spPr>
+          <p:txBody>
+            <a:bodyPr wrap="square" rtlCol="0">
+              <a:spAutoFit/>
+            </a:bodyPr>
+            <a:lstStyle/>
+            <a:p>
+              <a:pPr algn="ctr"/>
+              <a:r>
+                <a:rPr lang="en-US" sz="1600" dirty="0" err="1"/>
+                <a:t>mADX</a:t>
+              </a:r>
+              <a:r>
+                <a:rPr lang="en-US" sz="1600" dirty="0"/>
+                <a:t> message</a:t>
+              </a:r>
+            </a:p>
+          </p:txBody>
+        </p:sp>
+      </p:grpSp>
     </p:spTree>
     <p:extLst>
       <p:ext uri="{BB962C8B-B14F-4D97-AF65-F5344CB8AC3E}">
